--- a/Developing With Android.pptx
+++ b/Developing With Android.pptx
@@ -15,6 +15,9 @@
     <p:sldId id="261" r:id="rId9"/>
     <p:sldId id="262" r:id="rId10"/>
     <p:sldId id="263" r:id="rId11"/>
+    <p:sldId id="266" r:id="rId12"/>
+    <p:sldId id="267" r:id="rId13"/>
+    <p:sldId id="268" r:id="rId14"/>
   </p:sldIdLst>
   <p:sldSz cx="9144000" cy="6858000" type="screen4x3"/>
   <p:notesSz cx="6858000" cy="9144000"/>
@@ -430,11 +433,11 @@
             </c:numRef>
           </c:val>
         </c:ser>
-        <c:axId val="72822784"/>
-        <c:axId val="72824320"/>
+        <c:axId val="73576832"/>
+        <c:axId val="73578368"/>
       </c:barChart>
       <c:catAx>
-        <c:axId val="72822784"/>
+        <c:axId val="73576832"/>
         <c:scaling>
           <c:orientation val="minMax"/>
         </c:scaling>
@@ -468,14 +471,14 @@
             <a:endParaRPr lang="en-US"/>
           </a:p>
         </c:txPr>
-        <c:crossAx val="72824320"/>
+        <c:crossAx val="73578368"/>
         <c:crosses val="autoZero"/>
         <c:auto val="1"/>
         <c:lblAlgn val="ctr"/>
         <c:lblOffset val="100"/>
       </c:catAx>
       <c:valAx>
-        <c:axId val="72824320"/>
+        <c:axId val="73578368"/>
         <c:scaling>
           <c:orientation val="minMax"/>
         </c:scaling>
@@ -483,7 +486,7 @@
         <c:axPos val="l"/>
         <c:numFmt formatCode="General" sourceLinked="1"/>
         <c:tickLblPos val="none"/>
-        <c:crossAx val="72822784"/>
+        <c:crossAx val="73576832"/>
         <c:crosses val="autoZero"/>
         <c:crossBetween val="between"/>
       </c:valAx>
@@ -3881,6 +3884,237 @@
           <a:bodyPr/>
           <a:lstStyle/>
           <a:p>
+            <a:r>
+              <a:rPr lang="en-US" dirty="0" smtClean="0"/>
+              <a:t>Holds a View</a:t>
+            </a:r>
+          </a:p>
+          <a:p>
+            <a:pPr lvl="1"/>
+            <a:r>
+              <a:rPr lang="en-US" dirty="0" smtClean="0"/>
+              <a:t>Usually XML-based</a:t>
+            </a:r>
+          </a:p>
+          <a:p>
+            <a:r>
+              <a:rPr lang="en-US" dirty="0" smtClean="0"/>
+              <a:t>UI starting point</a:t>
+            </a:r>
+          </a:p>
+          <a:p>
+            <a:endParaRPr lang="en-US" dirty="0" smtClean="0"/>
+          </a:p>
+          <a:p>
+            <a:endParaRPr lang="en-US" dirty="0"/>
+          </a:p>
+        </p:txBody>
+      </p:sp>
+    </p:spTree>
+  </p:cSld>
+  <p:clrMapOvr>
+    <a:masterClrMapping/>
+  </p:clrMapOvr>
+</p:sld>
+</file>
+
+<file path=ppt/slides/slide11.xml><?xml version="1.0" encoding="utf-8"?>
+<p:sld xmlns:a="http://schemas.openxmlformats.org/drawingml/2006/main" xmlns:r="http://schemas.openxmlformats.org/officeDocument/2006/relationships" xmlns:p="http://schemas.openxmlformats.org/presentationml/2006/main">
+  <p:cSld>
+    <p:spTree>
+      <p:nvGrpSpPr>
+        <p:cNvPr id="1" name=""/>
+        <p:cNvGrpSpPr/>
+        <p:nvPr/>
+      </p:nvGrpSpPr>
+      <p:grpSpPr>
+        <a:xfrm>
+          <a:off x="0" y="0"/>
+          <a:ext cx="0" cy="0"/>
+          <a:chOff x="0" y="0"/>
+          <a:chExt cx="0" cy="0"/>
+        </a:xfrm>
+      </p:grpSpPr>
+      <p:sp>
+        <p:nvSpPr>
+          <p:cNvPr id="2" name="Title 1"/>
+          <p:cNvSpPr>
+            <a:spLocks noGrp="1"/>
+          </p:cNvSpPr>
+          <p:nvPr>
+            <p:ph type="title"/>
+          </p:nvPr>
+        </p:nvSpPr>
+        <p:spPr>
+          <a:xfrm>
+            <a:off x="457200" y="2743200"/>
+            <a:ext cx="8229600" cy="1143000"/>
+          </a:xfrm>
+        </p:spPr>
+        <p:txBody>
+          <a:bodyPr/>
+          <a:lstStyle/>
+          <a:p>
+            <a:r>
+              <a:rPr lang="en-US" dirty="0" smtClean="0"/>
+              <a:t>Dive Into Code</a:t>
+            </a:r>
+            <a:endParaRPr lang="en-US" dirty="0"/>
+          </a:p>
+        </p:txBody>
+      </p:sp>
+    </p:spTree>
+  </p:cSld>
+  <p:clrMapOvr>
+    <a:masterClrMapping/>
+  </p:clrMapOvr>
+</p:sld>
+</file>
+
+<file path=ppt/slides/slide12.xml><?xml version="1.0" encoding="utf-8"?>
+<p:sld xmlns:a="http://schemas.openxmlformats.org/drawingml/2006/main" xmlns:r="http://schemas.openxmlformats.org/officeDocument/2006/relationships" xmlns:p="http://schemas.openxmlformats.org/presentationml/2006/main">
+  <p:cSld>
+    <p:spTree>
+      <p:nvGrpSpPr>
+        <p:cNvPr id="1" name=""/>
+        <p:cNvGrpSpPr/>
+        <p:nvPr/>
+      </p:nvGrpSpPr>
+      <p:grpSpPr>
+        <a:xfrm>
+          <a:off x="0" y="0"/>
+          <a:ext cx="0" cy="0"/>
+          <a:chOff x="0" y="0"/>
+          <a:chExt cx="0" cy="0"/>
+        </a:xfrm>
+      </p:grpSpPr>
+      <p:sp>
+        <p:nvSpPr>
+          <p:cNvPr id="2" name="Title 1"/>
+          <p:cNvSpPr>
+            <a:spLocks noGrp="1"/>
+          </p:cNvSpPr>
+          <p:nvPr>
+            <p:ph type="title"/>
+          </p:nvPr>
+        </p:nvSpPr>
+        <p:spPr/>
+        <p:txBody>
+          <a:bodyPr/>
+          <a:lstStyle/>
+          <a:p>
+            <a:endParaRPr lang="en-US"/>
+          </a:p>
+        </p:txBody>
+      </p:sp>
+      <p:sp>
+        <p:nvSpPr>
+          <p:cNvPr id="3" name="Content Placeholder 2"/>
+          <p:cNvSpPr>
+            <a:spLocks noGrp="1"/>
+          </p:cNvSpPr>
+          <p:nvPr>
+            <p:ph idx="1"/>
+          </p:nvPr>
+        </p:nvSpPr>
+        <p:spPr/>
+        <p:txBody>
+          <a:bodyPr/>
+          <a:lstStyle/>
+          <a:p>
+            <a:endParaRPr lang="en-US"/>
+          </a:p>
+        </p:txBody>
+      </p:sp>
+    </p:spTree>
+  </p:cSld>
+  <p:clrMapOvr>
+    <a:masterClrMapping/>
+  </p:clrMapOvr>
+</p:sld>
+</file>
+
+<file path=ppt/slides/slide13.xml><?xml version="1.0" encoding="utf-8"?>
+<p:sld xmlns:a="http://schemas.openxmlformats.org/drawingml/2006/main" xmlns:r="http://schemas.openxmlformats.org/officeDocument/2006/relationships" xmlns:p="http://schemas.openxmlformats.org/presentationml/2006/main">
+  <p:cSld>
+    <p:spTree>
+      <p:nvGrpSpPr>
+        <p:cNvPr id="1" name=""/>
+        <p:cNvGrpSpPr/>
+        <p:nvPr/>
+      </p:nvGrpSpPr>
+      <p:grpSpPr>
+        <a:xfrm>
+          <a:off x="0" y="0"/>
+          <a:ext cx="0" cy="0"/>
+          <a:chOff x="0" y="0"/>
+          <a:chExt cx="0" cy="0"/>
+        </a:xfrm>
+      </p:grpSpPr>
+      <p:sp>
+        <p:nvSpPr>
+          <p:cNvPr id="2" name="Title 1"/>
+          <p:cNvSpPr>
+            <a:spLocks noGrp="1"/>
+          </p:cNvSpPr>
+          <p:nvPr>
+            <p:ph type="title"/>
+          </p:nvPr>
+        </p:nvSpPr>
+        <p:spPr/>
+        <p:txBody>
+          <a:bodyPr/>
+          <a:lstStyle/>
+          <a:p>
+            <a:r>
+              <a:rPr lang="en-US" dirty="0" smtClean="0"/>
+              <a:t>Resources</a:t>
+            </a:r>
+            <a:endParaRPr lang="en-US" dirty="0"/>
+          </a:p>
+        </p:txBody>
+      </p:sp>
+      <p:sp>
+        <p:nvSpPr>
+          <p:cNvPr id="3" name="Content Placeholder 2"/>
+          <p:cNvSpPr>
+            <a:spLocks noGrp="1"/>
+          </p:cNvSpPr>
+          <p:nvPr>
+            <p:ph idx="1"/>
+          </p:nvPr>
+        </p:nvSpPr>
+        <p:spPr/>
+        <p:txBody>
+          <a:bodyPr/>
+          <a:lstStyle/>
+          <a:p>
+            <a:r>
+              <a:rPr lang="en-US" dirty="0" smtClean="0"/>
+              <a:t>Presentation Materials:</a:t>
+            </a:r>
+          </a:p>
+          <a:p>
+            <a:pPr lvl="1">
+              <a:buNone/>
+            </a:pPr>
+            <a:r>
+              <a:rPr lang="en-US" smtClean="0"/>
+              <a:t>http</a:t>
+            </a:r>
+            <a:r>
+              <a:rPr lang="en-US" smtClean="0"/>
+              <a:t>://</a:t>
+            </a:r>
+            <a:r>
+              <a:rPr lang="en-US" smtClean="0"/>
+              <a:t>github.com/drwelden/Android-Presentation</a:t>
+            </a:r>
+          </a:p>
+          <a:p>
+            <a:pPr lvl="1">
+              <a:buNone/>
+            </a:pPr>
             <a:endParaRPr lang="en-US" dirty="0"/>
           </a:p>
         </p:txBody>

--- a/Developing With Android.pptx
+++ b/Developing With Android.pptx
@@ -5,19 +5,27 @@
     <p:sldMasterId id="2147483684" r:id="rId1"/>
   </p:sldMasterIdLst>
   <p:sldIdLst>
-    <p:sldId id="256" r:id="rId2"/>
-    <p:sldId id="265" r:id="rId3"/>
+    <p:sldId id="269" r:id="rId2"/>
+    <p:sldId id="256" r:id="rId3"/>
     <p:sldId id="257" r:id="rId4"/>
-    <p:sldId id="258" r:id="rId5"/>
-    <p:sldId id="259" r:id="rId6"/>
-    <p:sldId id="264" r:id="rId7"/>
-    <p:sldId id="260" r:id="rId8"/>
-    <p:sldId id="261" r:id="rId9"/>
-    <p:sldId id="262" r:id="rId10"/>
-    <p:sldId id="263" r:id="rId11"/>
-    <p:sldId id="266" r:id="rId12"/>
-    <p:sldId id="267" r:id="rId13"/>
-    <p:sldId id="268" r:id="rId14"/>
+    <p:sldId id="276" r:id="rId5"/>
+    <p:sldId id="265" r:id="rId6"/>
+    <p:sldId id="258" r:id="rId7"/>
+    <p:sldId id="259" r:id="rId8"/>
+    <p:sldId id="264" r:id="rId9"/>
+    <p:sldId id="270" r:id="rId10"/>
+    <p:sldId id="260" r:id="rId11"/>
+    <p:sldId id="261" r:id="rId12"/>
+    <p:sldId id="262" r:id="rId13"/>
+    <p:sldId id="263" r:id="rId14"/>
+    <p:sldId id="271" r:id="rId15"/>
+    <p:sldId id="272" r:id="rId16"/>
+    <p:sldId id="273" r:id="rId17"/>
+    <p:sldId id="266" r:id="rId18"/>
+    <p:sldId id="267" r:id="rId19"/>
+    <p:sldId id="268" r:id="rId20"/>
+    <p:sldId id="274" r:id="rId21"/>
+    <p:sldId id="275" r:id="rId22"/>
   </p:sldIdLst>
   <p:sldSz cx="9144000" cy="6858000" type="screen4x3"/>
   <p:notesSz cx="6858000" cy="9144000"/>
@@ -433,11 +441,11 @@
             </c:numRef>
           </c:val>
         </c:ser>
-        <c:axId val="73576832"/>
-        <c:axId val="73578368"/>
+        <c:axId val="89111168"/>
+        <c:axId val="89125248"/>
       </c:barChart>
       <c:catAx>
-        <c:axId val="73576832"/>
+        <c:axId val="89111168"/>
         <c:scaling>
           <c:orientation val="minMax"/>
         </c:scaling>
@@ -471,14 +479,14 @@
             <a:endParaRPr lang="en-US"/>
           </a:p>
         </c:txPr>
-        <c:crossAx val="73578368"/>
+        <c:crossAx val="89125248"/>
         <c:crosses val="autoZero"/>
         <c:auto val="1"/>
         <c:lblAlgn val="ctr"/>
         <c:lblOffset val="100"/>
       </c:catAx>
       <c:valAx>
-        <c:axId val="73578368"/>
+        <c:axId val="89125248"/>
         <c:scaling>
           <c:orientation val="minMax"/>
         </c:scaling>
@@ -486,7 +494,7 @@
         <c:axPos val="l"/>
         <c:numFmt formatCode="General" sourceLinked="1"/>
         <c:tickLblPos val="none"/>
-        <c:crossAx val="73576832"/>
+        <c:crossAx val="89111168"/>
         <c:crosses val="autoZero"/>
         <c:crossBetween val="between"/>
       </c:valAx>
@@ -594,7 +602,7 @@
           <c:xMode val="edge"/>
           <c:yMode val="edge"/>
           <c:x val="0.86086030912802569"/>
-          <c:y val="0.22914375834599629"/>
+          <c:y val="0.22914375834599637"/>
           <c:w val="0.12988043161271506"/>
           <c:h val="0.24346663903854124"/>
         </c:manualLayout>
@@ -955,7 +963,7 @@
             <a:fld id="{18990B7F-A48F-499E-A0A0-34C217D584AF}" type="datetimeFigureOut">
               <a:rPr lang="en-US" smtClean="0"/>
               <a:pPr/>
-              <a:t>9/21/2010</a:t>
+              <a:t>9/22/2010</a:t>
             </a:fld>
             <a:endParaRPr lang="en-US"/>
           </a:p>
@@ -1156,7 +1164,7 @@
             <a:fld id="{18990B7F-A48F-499E-A0A0-34C217D584AF}" type="datetimeFigureOut">
               <a:rPr lang="en-US" smtClean="0"/>
               <a:pPr/>
-              <a:t>9/21/2010</a:t>
+              <a:t>9/22/2010</a:t>
             </a:fld>
             <a:endParaRPr lang="en-US"/>
           </a:p>
@@ -1347,7 +1355,7 @@
             <a:fld id="{18990B7F-A48F-499E-A0A0-34C217D584AF}" type="datetimeFigureOut">
               <a:rPr lang="en-US" smtClean="0"/>
               <a:pPr/>
-              <a:t>9/21/2010</a:t>
+              <a:t>9/22/2010</a:t>
             </a:fld>
             <a:endParaRPr lang="en-US"/>
           </a:p>
@@ -1614,7 +1622,7 @@
             <a:fld id="{18990B7F-A48F-499E-A0A0-34C217D584AF}" type="datetimeFigureOut">
               <a:rPr lang="en-US" smtClean="0"/>
               <a:pPr/>
-              <a:t>9/21/2010</a:t>
+              <a:t>9/22/2010</a:t>
             </a:fld>
             <a:endParaRPr lang="en-US"/>
           </a:p>
@@ -1923,7 +1931,7 @@
             <a:fld id="{18990B7F-A48F-499E-A0A0-34C217D584AF}" type="datetimeFigureOut">
               <a:rPr lang="en-US" smtClean="0"/>
               <a:pPr/>
-              <a:t>9/21/2010</a:t>
+              <a:t>9/22/2010</a:t>
             </a:fld>
             <a:endParaRPr lang="en-US"/>
           </a:p>
@@ -2366,7 +2374,7 @@
             <a:fld id="{18990B7F-A48F-499E-A0A0-34C217D584AF}" type="datetimeFigureOut">
               <a:rPr lang="en-US" smtClean="0"/>
               <a:pPr/>
-              <a:t>9/21/2010</a:t>
+              <a:t>9/22/2010</a:t>
             </a:fld>
             <a:endParaRPr lang="en-US"/>
           </a:p>
@@ -2505,7 +2513,7 @@
             <a:fld id="{18990B7F-A48F-499E-A0A0-34C217D584AF}" type="datetimeFigureOut">
               <a:rPr lang="en-US" smtClean="0"/>
               <a:pPr/>
-              <a:t>9/21/2010</a:t>
+              <a:t>9/22/2010</a:t>
             </a:fld>
             <a:endParaRPr lang="en-US"/>
           </a:p>
@@ -2621,7 +2629,7 @@
             <a:fld id="{18990B7F-A48F-499E-A0A0-34C217D584AF}" type="datetimeFigureOut">
               <a:rPr lang="en-US" smtClean="0"/>
               <a:pPr/>
-              <a:t>9/21/2010</a:t>
+              <a:t>9/22/2010</a:t>
             </a:fld>
             <a:endParaRPr lang="en-US"/>
           </a:p>
@@ -2919,7 +2927,7 @@
             <a:fld id="{18990B7F-A48F-499E-A0A0-34C217D584AF}" type="datetimeFigureOut">
               <a:rPr lang="en-US" smtClean="0"/>
               <a:pPr/>
-              <a:t>9/21/2010</a:t>
+              <a:t>9/22/2010</a:t>
             </a:fld>
             <a:endParaRPr lang="en-US"/>
           </a:p>
@@ -3193,7 +3201,7 @@
             <a:fld id="{18990B7F-A48F-499E-A0A0-34C217D584AF}" type="datetimeFigureOut">
               <a:rPr lang="en-US" smtClean="0"/>
               <a:pPr/>
-              <a:t>9/21/2010</a:t>
+              <a:t>9/22/2010</a:t>
             </a:fld>
             <a:endParaRPr lang="en-US"/>
           </a:p>
@@ -3771,11 +3779,7 @@
           <a:bodyPr/>
           <a:lstStyle/>
           <a:p>
-            <a:r>
-              <a:rPr lang="en-US" dirty="0" smtClean="0"/>
-              <a:t>Developing With Android</a:t>
-            </a:r>
-            <a:endParaRPr lang="en-US" dirty="0"/>
+            <a:endParaRPr lang="en-US"/>
           </a:p>
         </p:txBody>
       </p:sp>
@@ -3794,23 +3798,7 @@
           <a:bodyPr/>
           <a:lstStyle/>
           <a:p>
-            <a:r>
-              <a:rPr lang="en-US" dirty="0" smtClean="0"/>
-              <a:t>Dustin R. Welden</a:t>
-            </a:r>
-          </a:p>
-          <a:p>
-            <a:r>
-              <a:rPr lang="en-US" dirty="0" smtClean="0"/>
-              <a:t>ACM Wichita</a:t>
-            </a:r>
-          </a:p>
-          <a:p>
-            <a:r>
-              <a:rPr lang="en-US" dirty="0" smtClean="0"/>
-              <a:t>22 September 2010</a:t>
-            </a:r>
-            <a:endParaRPr lang="en-US" dirty="0"/>
+            <a:endParaRPr lang="en-US"/>
           </a:p>
         </p:txBody>
       </p:sp>
@@ -3863,7 +3851,7 @@
           <a:p>
             <a:r>
               <a:rPr lang="en-US" dirty="0" smtClean="0"/>
-              <a:t>Activities</a:t>
+              <a:t>Why Android?</a:t>
             </a:r>
             <a:endParaRPr lang="en-US" dirty="0"/>
           </a:p>
@@ -3886,24 +3874,20 @@
           <a:p>
             <a:r>
               <a:rPr lang="en-US" dirty="0" smtClean="0"/>
-              <a:t>Holds a View</a:t>
-            </a:r>
-          </a:p>
-          <a:p>
-            <a:pPr lvl="1"/>
+              <a:t>Open Source</a:t>
+            </a:r>
+          </a:p>
+          <a:p>
             <a:r>
               <a:rPr lang="en-US" dirty="0" smtClean="0"/>
-              <a:t>Usually XML-based</a:t>
+              <a:t>Open Market</a:t>
             </a:r>
           </a:p>
           <a:p>
             <a:r>
               <a:rPr lang="en-US" dirty="0" smtClean="0"/>
-              <a:t>UI starting point</a:t>
-            </a:r>
-          </a:p>
-          <a:p>
-            <a:endParaRPr lang="en-US" dirty="0" smtClean="0"/>
+              <a:t>Revenue is Good</a:t>
+            </a:r>
           </a:p>
           <a:p>
             <a:endParaRPr lang="en-US" dirty="0"/>
@@ -3915,6 +3899,13 @@
   <p:clrMapOvr>
     <a:masterClrMapping/>
   </p:clrMapOvr>
+  <p:timing>
+    <p:tnLst>
+      <p:par>
+        <p:cTn id="1" dur="indefinite" restart="never" nodeType="tmRoot"/>
+      </p:par>
+    </p:tnLst>
+  </p:timing>
 </p:sld>
 </file>
 
@@ -3945,29 +3936,840 @@
             <p:ph type="title"/>
           </p:nvPr>
         </p:nvSpPr>
+        <p:spPr/>
+        <p:txBody>
+          <a:bodyPr/>
+          <a:lstStyle/>
+          <a:p>
+            <a:r>
+              <a:rPr lang="en-US" dirty="0" smtClean="0"/>
+              <a:t>Android Architecture</a:t>
+            </a:r>
+            <a:endParaRPr lang="en-US" dirty="0"/>
+          </a:p>
+        </p:txBody>
+      </p:sp>
+      <p:pic>
+        <p:nvPicPr>
+          <p:cNvPr id="1026" name="Picture 2" descr="Android System Architecture"/>
+          <p:cNvPicPr>
+            <a:picLocks noChangeAspect="1" noChangeArrowheads="1"/>
+          </p:cNvPicPr>
+          <p:nvPr/>
+        </p:nvPicPr>
+        <p:blipFill>
+          <a:blip r:embed="rId2" cstate="print"/>
+          <a:srcRect/>
+          <a:stretch>
+            <a:fillRect/>
+          </a:stretch>
+        </p:blipFill>
+        <p:spPr bwMode="auto">
+          <a:xfrm>
+            <a:off x="1219200" y="1524000"/>
+            <a:ext cx="6791325" cy="4876801"/>
+          </a:xfrm>
+          <a:prstGeom prst="rect">
+            <a:avLst/>
+          </a:prstGeom>
+          <a:noFill/>
+        </p:spPr>
+      </p:pic>
+      <p:sp>
+        <p:nvSpPr>
+          <p:cNvPr id="5" name="TextBox 4"/>
+          <p:cNvSpPr txBox="1"/>
+          <p:nvPr/>
+        </p:nvSpPr>
         <p:spPr>
           <a:xfrm>
-            <a:off x="457200" y="2743200"/>
-            <a:ext cx="8229600" cy="1143000"/>
+            <a:off x="5082225" y="6324600"/>
+            <a:ext cx="3223575" cy="369332"/>
           </a:xfrm>
+          <a:prstGeom prst="rect">
+            <a:avLst/>
+          </a:prstGeom>
+          <a:noFill/>
         </p:spPr>
         <p:txBody>
-          <a:bodyPr/>
+          <a:bodyPr wrap="none" rtlCol="0">
+            <a:spAutoFit/>
+          </a:bodyPr>
           <a:lstStyle/>
           <a:p>
             <a:r>
-              <a:rPr lang="en-US" dirty="0" smtClean="0"/>
-              <a:t>Dive Into Code</a:t>
-            </a:r>
-            <a:endParaRPr lang="en-US" dirty="0"/>
-          </a:p>
-        </p:txBody>
-      </p:sp>
+              <a:rPr lang="en-US" dirty="0" smtClean="0">
+                <a:ln w="18415" cmpd="sng">
+                  <a:solidFill>
+                    <a:srgbClr val="FFFFFF"/>
+                  </a:solidFill>
+                  <a:prstDash val="solid"/>
+                </a:ln>
+                <a:solidFill>
+                  <a:srgbClr val="FFFFFF"/>
+                </a:solidFill>
+                <a:effectLst>
+                  <a:outerShdw blurRad="63500" dir="3600000" algn="tl" rotWithShape="0">
+                    <a:srgbClr val="000000">
+                      <a:alpha val="70000"/>
+                    </a:srgbClr>
+                  </a:outerShdw>
+                </a:effectLst>
+              </a:rPr>
+              <a:t>Source: developer.android.com</a:t>
+            </a:r>
+            <a:endParaRPr lang="en-US" dirty="0">
+              <a:ln w="18415" cmpd="sng">
+                <a:solidFill>
+                  <a:srgbClr val="FFFFFF"/>
+                </a:solidFill>
+                <a:prstDash val="solid"/>
+              </a:ln>
+              <a:solidFill>
+                <a:srgbClr val="FFFFFF"/>
+              </a:solidFill>
+              <a:effectLst>
+                <a:outerShdw blurRad="63500" dir="3600000" algn="tl" rotWithShape="0">
+                  <a:srgbClr val="000000">
+                    <a:alpha val="70000"/>
+                  </a:srgbClr>
+                </a:outerShdw>
+              </a:effectLst>
+            </a:endParaRPr>
+          </a:p>
+        </p:txBody>
+      </p:sp>
+      <p:grpSp>
+        <p:nvGrpSpPr>
+          <p:cNvPr id="20" name="Group 19"/>
+          <p:cNvGrpSpPr/>
+          <p:nvPr/>
+        </p:nvGrpSpPr>
+        <p:grpSpPr>
+          <a:xfrm>
+            <a:off x="-228600" y="1295400"/>
+            <a:ext cx="9829800" cy="5562600"/>
+            <a:chOff x="-228600" y="1295400"/>
+            <a:chExt cx="9829800" cy="5562600"/>
+          </a:xfrm>
+        </p:grpSpPr>
+        <p:sp>
+          <p:nvSpPr>
+            <p:cNvPr id="6" name="Frame 5"/>
+            <p:cNvSpPr/>
+            <p:nvPr/>
+          </p:nvSpPr>
+          <p:spPr>
+            <a:xfrm>
+              <a:off x="1143000" y="3505200"/>
+              <a:ext cx="1600200" cy="1828800"/>
+            </a:xfrm>
+            <a:prstGeom prst="frame">
+              <a:avLst/>
+            </a:prstGeom>
+            <a:ln>
+              <a:noFill/>
+            </a:ln>
+          </p:spPr>
+          <p:style>
+            <a:lnRef idx="2">
+              <a:schemeClr val="dk1">
+                <a:shade val="50000"/>
+              </a:schemeClr>
+            </a:lnRef>
+            <a:fillRef idx="1">
+              <a:schemeClr val="dk1"/>
+            </a:fillRef>
+            <a:effectRef idx="0">
+              <a:schemeClr val="dk1"/>
+            </a:effectRef>
+            <a:fontRef idx="minor">
+              <a:schemeClr val="lt1"/>
+            </a:fontRef>
+          </p:style>
+          <p:txBody>
+            <a:bodyPr rtlCol="0" anchor="ctr"/>
+            <a:lstStyle/>
+            <a:p>
+              <a:pPr algn="ctr"/>
+              <a:endParaRPr lang="en-US">
+                <a:solidFill>
+                  <a:schemeClr val="tx1"/>
+                </a:solidFill>
+              </a:endParaRPr>
+            </a:p>
+          </p:txBody>
+        </p:sp>
+        <p:sp>
+          <p:nvSpPr>
+            <p:cNvPr id="7" name="Frame 6"/>
+            <p:cNvSpPr/>
+            <p:nvPr/>
+          </p:nvSpPr>
+          <p:spPr>
+            <a:xfrm>
+              <a:off x="5791200" y="2438400"/>
+              <a:ext cx="1600200" cy="762000"/>
+            </a:xfrm>
+            <a:prstGeom prst="frame">
+              <a:avLst/>
+            </a:prstGeom>
+            <a:ln>
+              <a:noFill/>
+            </a:ln>
+          </p:spPr>
+          <p:style>
+            <a:lnRef idx="2">
+              <a:schemeClr val="dk1">
+                <a:shade val="50000"/>
+              </a:schemeClr>
+            </a:lnRef>
+            <a:fillRef idx="1">
+              <a:schemeClr val="dk1"/>
+            </a:fillRef>
+            <a:effectRef idx="0">
+              <a:schemeClr val="dk1"/>
+            </a:effectRef>
+            <a:fontRef idx="minor">
+              <a:schemeClr val="lt1"/>
+            </a:fontRef>
+          </p:style>
+          <p:txBody>
+            <a:bodyPr rtlCol="0" anchor="ctr"/>
+            <a:lstStyle/>
+            <a:p>
+              <a:pPr algn="ctr"/>
+              <a:endParaRPr lang="en-US">
+                <a:solidFill>
+                  <a:schemeClr val="tx1"/>
+                </a:solidFill>
+              </a:endParaRPr>
+            </a:p>
+          </p:txBody>
+        </p:sp>
+        <p:sp>
+          <p:nvSpPr>
+            <p:cNvPr id="8" name="Frame 7"/>
+            <p:cNvSpPr/>
+            <p:nvPr/>
+          </p:nvSpPr>
+          <p:spPr>
+            <a:xfrm>
+              <a:off x="3124200" y="2438400"/>
+              <a:ext cx="1600200" cy="762000"/>
+            </a:xfrm>
+            <a:prstGeom prst="frame">
+              <a:avLst/>
+            </a:prstGeom>
+            <a:ln>
+              <a:noFill/>
+            </a:ln>
+          </p:spPr>
+          <p:style>
+            <a:lnRef idx="2">
+              <a:schemeClr val="dk1">
+                <a:shade val="50000"/>
+              </a:schemeClr>
+            </a:lnRef>
+            <a:fillRef idx="1">
+              <a:schemeClr val="dk1"/>
+            </a:fillRef>
+            <a:effectRef idx="0">
+              <a:schemeClr val="dk1"/>
+            </a:effectRef>
+            <a:fontRef idx="minor">
+              <a:schemeClr val="lt1"/>
+            </a:fontRef>
+          </p:style>
+          <p:txBody>
+            <a:bodyPr rtlCol="0" anchor="ctr"/>
+            <a:lstStyle/>
+            <a:p>
+              <a:pPr algn="ctr"/>
+              <a:endParaRPr lang="en-US">
+                <a:solidFill>
+                  <a:schemeClr val="tx1"/>
+                </a:solidFill>
+              </a:endParaRPr>
+            </a:p>
+          </p:txBody>
+        </p:sp>
+        <p:sp>
+          <p:nvSpPr>
+            <p:cNvPr id="9" name="Frame 8"/>
+            <p:cNvSpPr/>
+            <p:nvPr/>
+          </p:nvSpPr>
+          <p:spPr>
+            <a:xfrm>
+              <a:off x="5791200" y="3733800"/>
+              <a:ext cx="1676400" cy="1066800"/>
+            </a:xfrm>
+            <a:prstGeom prst="frame">
+              <a:avLst/>
+            </a:prstGeom>
+            <a:ln>
+              <a:noFill/>
+            </a:ln>
+          </p:spPr>
+          <p:style>
+            <a:lnRef idx="2">
+              <a:schemeClr val="dk1">
+                <a:shade val="50000"/>
+              </a:schemeClr>
+            </a:lnRef>
+            <a:fillRef idx="1">
+              <a:schemeClr val="dk1"/>
+            </a:fillRef>
+            <a:effectRef idx="0">
+              <a:schemeClr val="dk1"/>
+            </a:effectRef>
+            <a:fontRef idx="minor">
+              <a:schemeClr val="lt1"/>
+            </a:fontRef>
+          </p:style>
+          <p:txBody>
+            <a:bodyPr rtlCol="0" anchor="ctr"/>
+            <a:lstStyle/>
+            <a:p>
+              <a:pPr algn="ctr"/>
+              <a:endParaRPr lang="en-US">
+                <a:solidFill>
+                  <a:schemeClr val="tx1"/>
+                </a:solidFill>
+              </a:endParaRPr>
+            </a:p>
+          </p:txBody>
+        </p:sp>
+        <p:sp>
+          <p:nvSpPr>
+            <p:cNvPr id="10" name="Rectangle 9"/>
+            <p:cNvSpPr/>
+            <p:nvPr/>
+          </p:nvSpPr>
+          <p:spPr>
+            <a:xfrm>
+              <a:off x="-228600" y="1295400"/>
+              <a:ext cx="9829800" cy="1143000"/>
+            </a:xfrm>
+            <a:prstGeom prst="rect">
+              <a:avLst/>
+            </a:prstGeom>
+            <a:ln>
+              <a:noFill/>
+            </a:ln>
+          </p:spPr>
+          <p:style>
+            <a:lnRef idx="2">
+              <a:schemeClr val="dk1">
+                <a:shade val="50000"/>
+              </a:schemeClr>
+            </a:lnRef>
+            <a:fillRef idx="1">
+              <a:schemeClr val="dk1"/>
+            </a:fillRef>
+            <a:effectRef idx="0">
+              <a:schemeClr val="dk1"/>
+            </a:effectRef>
+            <a:fontRef idx="minor">
+              <a:schemeClr val="lt1"/>
+            </a:fontRef>
+          </p:style>
+          <p:txBody>
+            <a:bodyPr rtlCol="0" anchor="ctr"/>
+            <a:lstStyle/>
+            <a:p>
+              <a:pPr algn="ctr"/>
+              <a:endParaRPr lang="en-US"/>
+            </a:p>
+          </p:txBody>
+        </p:sp>
+        <p:sp>
+          <p:nvSpPr>
+            <p:cNvPr id="11" name="Rectangle 10"/>
+            <p:cNvSpPr/>
+            <p:nvPr/>
+          </p:nvSpPr>
+          <p:spPr>
+            <a:xfrm>
+              <a:off x="-228600" y="2438400"/>
+              <a:ext cx="3352800" cy="1143000"/>
+            </a:xfrm>
+            <a:prstGeom prst="rect">
+              <a:avLst/>
+            </a:prstGeom>
+            <a:ln>
+              <a:noFill/>
+            </a:ln>
+          </p:spPr>
+          <p:style>
+            <a:lnRef idx="2">
+              <a:schemeClr val="dk1">
+                <a:shade val="50000"/>
+              </a:schemeClr>
+            </a:lnRef>
+            <a:fillRef idx="1">
+              <a:schemeClr val="dk1"/>
+            </a:fillRef>
+            <a:effectRef idx="0">
+              <a:schemeClr val="dk1"/>
+            </a:effectRef>
+            <a:fontRef idx="minor">
+              <a:schemeClr val="lt1"/>
+            </a:fontRef>
+          </p:style>
+          <p:txBody>
+            <a:bodyPr rtlCol="0" anchor="ctr"/>
+            <a:lstStyle/>
+            <a:p>
+              <a:pPr algn="ctr"/>
+              <a:endParaRPr lang="en-US"/>
+            </a:p>
+          </p:txBody>
+        </p:sp>
+        <p:sp>
+          <p:nvSpPr>
+            <p:cNvPr id="12" name="Rectangle 11"/>
+            <p:cNvSpPr/>
+            <p:nvPr/>
+          </p:nvSpPr>
+          <p:spPr>
+            <a:xfrm>
+              <a:off x="-228600" y="3581400"/>
+              <a:ext cx="1447800" cy="3276600"/>
+            </a:xfrm>
+            <a:prstGeom prst="rect">
+              <a:avLst/>
+            </a:prstGeom>
+            <a:ln>
+              <a:noFill/>
+            </a:ln>
+          </p:spPr>
+          <p:style>
+            <a:lnRef idx="2">
+              <a:schemeClr val="dk1">
+                <a:shade val="50000"/>
+              </a:schemeClr>
+            </a:lnRef>
+            <a:fillRef idx="1">
+              <a:schemeClr val="dk1"/>
+            </a:fillRef>
+            <a:effectRef idx="0">
+              <a:schemeClr val="dk1"/>
+            </a:effectRef>
+            <a:fontRef idx="minor">
+              <a:schemeClr val="lt1"/>
+            </a:fontRef>
+          </p:style>
+          <p:txBody>
+            <a:bodyPr rtlCol="0" anchor="ctr"/>
+            <a:lstStyle/>
+            <a:p>
+              <a:pPr algn="ctr"/>
+              <a:endParaRPr lang="en-US"/>
+            </a:p>
+          </p:txBody>
+        </p:sp>
+        <p:sp>
+          <p:nvSpPr>
+            <p:cNvPr id="14" name="Rectangle 13"/>
+            <p:cNvSpPr/>
+            <p:nvPr/>
+          </p:nvSpPr>
+          <p:spPr>
+            <a:xfrm>
+              <a:off x="1219200" y="5257800"/>
+              <a:ext cx="8382000" cy="1600200"/>
+            </a:xfrm>
+            <a:prstGeom prst="rect">
+              <a:avLst/>
+            </a:prstGeom>
+            <a:ln>
+              <a:noFill/>
+            </a:ln>
+          </p:spPr>
+          <p:style>
+            <a:lnRef idx="2">
+              <a:schemeClr val="dk1">
+                <a:shade val="50000"/>
+              </a:schemeClr>
+            </a:lnRef>
+            <a:fillRef idx="1">
+              <a:schemeClr val="dk1"/>
+            </a:fillRef>
+            <a:effectRef idx="0">
+              <a:schemeClr val="dk1"/>
+            </a:effectRef>
+            <a:fontRef idx="minor">
+              <a:schemeClr val="lt1"/>
+            </a:fontRef>
+          </p:style>
+          <p:txBody>
+            <a:bodyPr rtlCol="0" anchor="ctr"/>
+            <a:lstStyle/>
+            <a:p>
+              <a:pPr algn="ctr"/>
+              <a:endParaRPr lang="en-US"/>
+            </a:p>
+          </p:txBody>
+        </p:sp>
+        <p:sp>
+          <p:nvSpPr>
+            <p:cNvPr id="15" name="Rectangle 14"/>
+            <p:cNvSpPr/>
+            <p:nvPr/>
+          </p:nvSpPr>
+          <p:spPr>
+            <a:xfrm>
+              <a:off x="7391400" y="2438400"/>
+              <a:ext cx="2209800" cy="2971800"/>
+            </a:xfrm>
+            <a:prstGeom prst="rect">
+              <a:avLst/>
+            </a:prstGeom>
+            <a:ln>
+              <a:noFill/>
+            </a:ln>
+          </p:spPr>
+          <p:style>
+            <a:lnRef idx="2">
+              <a:schemeClr val="dk1">
+                <a:shade val="50000"/>
+              </a:schemeClr>
+            </a:lnRef>
+            <a:fillRef idx="1">
+              <a:schemeClr val="dk1"/>
+            </a:fillRef>
+            <a:effectRef idx="0">
+              <a:schemeClr val="dk1"/>
+            </a:effectRef>
+            <a:fontRef idx="minor">
+              <a:schemeClr val="lt1"/>
+            </a:fontRef>
+          </p:style>
+          <p:txBody>
+            <a:bodyPr rtlCol="0" anchor="ctr"/>
+            <a:lstStyle/>
+            <a:p>
+              <a:pPr algn="ctr"/>
+              <a:endParaRPr lang="en-US"/>
+            </a:p>
+          </p:txBody>
+        </p:sp>
+        <p:sp>
+          <p:nvSpPr>
+            <p:cNvPr id="16" name="Rectangle 15"/>
+            <p:cNvSpPr/>
+            <p:nvPr/>
+          </p:nvSpPr>
+          <p:spPr>
+            <a:xfrm>
+              <a:off x="2590800" y="3124200"/>
+              <a:ext cx="3276600" cy="2133600"/>
+            </a:xfrm>
+            <a:prstGeom prst="rect">
+              <a:avLst/>
+            </a:prstGeom>
+            <a:ln>
+              <a:noFill/>
+            </a:ln>
+          </p:spPr>
+          <p:style>
+            <a:lnRef idx="2">
+              <a:schemeClr val="dk1">
+                <a:shade val="50000"/>
+              </a:schemeClr>
+            </a:lnRef>
+            <a:fillRef idx="1">
+              <a:schemeClr val="dk1"/>
+            </a:fillRef>
+            <a:effectRef idx="0">
+              <a:schemeClr val="dk1"/>
+            </a:effectRef>
+            <a:fontRef idx="minor">
+              <a:schemeClr val="lt1"/>
+            </a:fontRef>
+          </p:style>
+          <p:txBody>
+            <a:bodyPr rtlCol="0" anchor="ctr"/>
+            <a:lstStyle/>
+            <a:p>
+              <a:pPr algn="ctr"/>
+              <a:endParaRPr lang="en-US"/>
+            </a:p>
+          </p:txBody>
+        </p:sp>
+        <p:sp>
+          <p:nvSpPr>
+            <p:cNvPr id="17" name="Rectangle 16"/>
+            <p:cNvSpPr/>
+            <p:nvPr/>
+          </p:nvSpPr>
+          <p:spPr>
+            <a:xfrm>
+              <a:off x="5029200" y="4724400"/>
+              <a:ext cx="3352800" cy="1143000"/>
+            </a:xfrm>
+            <a:prstGeom prst="rect">
+              <a:avLst/>
+            </a:prstGeom>
+            <a:ln>
+              <a:noFill/>
+            </a:ln>
+          </p:spPr>
+          <p:style>
+            <a:lnRef idx="2">
+              <a:schemeClr val="dk1">
+                <a:shade val="50000"/>
+              </a:schemeClr>
+            </a:lnRef>
+            <a:fillRef idx="1">
+              <a:schemeClr val="dk1"/>
+            </a:fillRef>
+            <a:effectRef idx="0">
+              <a:schemeClr val="dk1"/>
+            </a:effectRef>
+            <a:fontRef idx="minor">
+              <a:schemeClr val="lt1"/>
+            </a:fontRef>
+          </p:style>
+          <p:txBody>
+            <a:bodyPr rtlCol="0" anchor="ctr"/>
+            <a:lstStyle/>
+            <a:p>
+              <a:pPr algn="ctr"/>
+              <a:endParaRPr lang="en-US"/>
+            </a:p>
+          </p:txBody>
+        </p:sp>
+        <p:sp>
+          <p:nvSpPr>
+            <p:cNvPr id="18" name="Rectangle 17"/>
+            <p:cNvSpPr/>
+            <p:nvPr/>
+          </p:nvSpPr>
+          <p:spPr>
+            <a:xfrm>
+              <a:off x="5105400" y="3200400"/>
+              <a:ext cx="3352800" cy="533400"/>
+            </a:xfrm>
+            <a:prstGeom prst="rect">
+              <a:avLst/>
+            </a:prstGeom>
+            <a:ln>
+              <a:noFill/>
+            </a:ln>
+          </p:spPr>
+          <p:style>
+            <a:lnRef idx="2">
+              <a:schemeClr val="dk1">
+                <a:shade val="50000"/>
+              </a:schemeClr>
+            </a:lnRef>
+            <a:fillRef idx="1">
+              <a:schemeClr val="dk1"/>
+            </a:fillRef>
+            <a:effectRef idx="0">
+              <a:schemeClr val="dk1"/>
+            </a:effectRef>
+            <a:fontRef idx="minor">
+              <a:schemeClr val="lt1"/>
+            </a:fontRef>
+          </p:style>
+          <p:txBody>
+            <a:bodyPr rtlCol="0" anchor="ctr"/>
+            <a:lstStyle/>
+            <a:p>
+              <a:pPr algn="ctr"/>
+              <a:endParaRPr lang="en-US"/>
+            </a:p>
+          </p:txBody>
+        </p:sp>
+        <p:sp>
+          <p:nvSpPr>
+            <p:cNvPr id="19" name="Rectangle 18"/>
+            <p:cNvSpPr/>
+            <p:nvPr/>
+          </p:nvSpPr>
+          <p:spPr>
+            <a:xfrm>
+              <a:off x="4648200" y="2209800"/>
+              <a:ext cx="1143000" cy="1143000"/>
+            </a:xfrm>
+            <a:prstGeom prst="rect">
+              <a:avLst/>
+            </a:prstGeom>
+            <a:ln>
+              <a:noFill/>
+            </a:ln>
+          </p:spPr>
+          <p:style>
+            <a:lnRef idx="2">
+              <a:schemeClr val="dk1">
+                <a:shade val="50000"/>
+              </a:schemeClr>
+            </a:lnRef>
+            <a:fillRef idx="1">
+              <a:schemeClr val="dk1"/>
+            </a:fillRef>
+            <a:effectRef idx="0">
+              <a:schemeClr val="dk1"/>
+            </a:effectRef>
+            <a:fontRef idx="minor">
+              <a:schemeClr val="lt1"/>
+            </a:fontRef>
+          </p:style>
+          <p:txBody>
+            <a:bodyPr rtlCol="0" anchor="ctr"/>
+            <a:lstStyle/>
+            <a:p>
+              <a:pPr algn="ctr"/>
+              <a:endParaRPr lang="en-US"/>
+            </a:p>
+          </p:txBody>
+        </p:sp>
+      </p:grpSp>
     </p:spTree>
   </p:cSld>
   <p:clrMapOvr>
     <a:masterClrMapping/>
   </p:clrMapOvr>
+  <p:timing>
+    <p:tnLst>
+      <p:par>
+        <p:cTn id="1" dur="indefinite" restart="never" nodeType="tmRoot">
+          <p:childTnLst>
+            <p:seq concurrent="1" nextAc="seek">
+              <p:cTn id="2" dur="indefinite" nodeType="mainSeq">
+                <p:childTnLst>
+                  <p:par>
+                    <p:cTn id="3" fill="hold">
+                      <p:stCondLst>
+                        <p:cond delay="indefinite"/>
+                      </p:stCondLst>
+                      <p:childTnLst>
+                        <p:par>
+                          <p:cTn id="4" fill="hold">
+                            <p:stCondLst>
+                              <p:cond delay="0"/>
+                            </p:stCondLst>
+                            <p:childTnLst>
+                              <p:par>
+                                <p:cTn id="5" presetID="10" presetClass="entr" presetSubtype="0" fill="hold" nodeType="clickEffect">
+                                  <p:stCondLst>
+                                    <p:cond delay="0"/>
+                                  </p:stCondLst>
+                                  <p:childTnLst>
+                                    <p:set>
+                                      <p:cBhvr>
+                                        <p:cTn id="6" dur="1" fill="hold">
+                                          <p:stCondLst>
+                                            <p:cond delay="0"/>
+                                          </p:stCondLst>
+                                        </p:cTn>
+                                        <p:tgtEl>
+                                          <p:spTgt spid="20"/>
+                                        </p:tgtEl>
+                                        <p:attrNameLst>
+                                          <p:attrName>style.visibility</p:attrName>
+                                        </p:attrNameLst>
+                                      </p:cBhvr>
+                                      <p:to>
+                                        <p:strVal val="visible"/>
+                                      </p:to>
+                                    </p:set>
+                                    <p:animEffect transition="in" filter="fade">
+                                      <p:cBhvr>
+                                        <p:cTn id="7" dur="500"/>
+                                        <p:tgtEl>
+                                          <p:spTgt spid="20"/>
+                                        </p:tgtEl>
+                                      </p:cBhvr>
+                                    </p:animEffect>
+                                  </p:childTnLst>
+                                </p:cTn>
+                              </p:par>
+                            </p:childTnLst>
+                          </p:cTn>
+                        </p:par>
+                      </p:childTnLst>
+                    </p:cTn>
+                  </p:par>
+                  <p:par>
+                    <p:cTn id="8" fill="hold">
+                      <p:stCondLst>
+                        <p:cond delay="indefinite"/>
+                      </p:stCondLst>
+                      <p:childTnLst>
+                        <p:par>
+                          <p:cTn id="9" fill="hold">
+                            <p:stCondLst>
+                              <p:cond delay="0"/>
+                            </p:stCondLst>
+                            <p:childTnLst>
+                              <p:par>
+                                <p:cTn id="10" presetID="10" presetClass="exit" presetSubtype="0" fill="hold" nodeType="clickEffect">
+                                  <p:stCondLst>
+                                    <p:cond delay="0"/>
+                                  </p:stCondLst>
+                                  <p:childTnLst>
+                                    <p:animEffect transition="out" filter="fade">
+                                      <p:cBhvr>
+                                        <p:cTn id="11" dur="500"/>
+                                        <p:tgtEl>
+                                          <p:spTgt spid="20"/>
+                                        </p:tgtEl>
+                                      </p:cBhvr>
+                                    </p:animEffect>
+                                    <p:set>
+                                      <p:cBhvr>
+                                        <p:cTn id="12" dur="1" fill="hold">
+                                          <p:stCondLst>
+                                            <p:cond delay="499"/>
+                                          </p:stCondLst>
+                                        </p:cTn>
+                                        <p:tgtEl>
+                                          <p:spTgt spid="20"/>
+                                        </p:tgtEl>
+                                        <p:attrNameLst>
+                                          <p:attrName>style.visibility</p:attrName>
+                                        </p:attrNameLst>
+                                      </p:cBhvr>
+                                      <p:to>
+                                        <p:strVal val="hidden"/>
+                                      </p:to>
+                                    </p:set>
+                                  </p:childTnLst>
+                                </p:cTn>
+                              </p:par>
+                            </p:childTnLst>
+                          </p:cTn>
+                        </p:par>
+                      </p:childTnLst>
+                    </p:cTn>
+                  </p:par>
+                </p:childTnLst>
+              </p:cTn>
+              <p:prevCondLst>
+                <p:cond evt="onPrev" delay="0">
+                  <p:tgtEl>
+                    <p:sldTgt/>
+                  </p:tgtEl>
+                </p:cond>
+              </p:prevCondLst>
+              <p:nextCondLst>
+                <p:cond evt="onNext" delay="0">
+                  <p:tgtEl>
+                    <p:sldTgt/>
+                  </p:tgtEl>
+                </p:cond>
+              </p:nextCondLst>
+            </p:seq>
+          </p:childTnLst>
+        </p:cTn>
+      </p:par>
+    </p:tnLst>
+  </p:timing>
 </p:sld>
 </file>
 
@@ -4003,7 +4805,11 @@
           <a:bodyPr/>
           <a:lstStyle/>
           <a:p>
-            <a:endParaRPr lang="en-US"/>
+            <a:r>
+              <a:rPr lang="en-US" dirty="0" smtClean="0"/>
+              <a:t>Application Components</a:t>
+            </a:r>
+            <a:endParaRPr lang="en-US" dirty="0"/>
           </a:p>
         </p:txBody>
       </p:sp>
@@ -4022,7 +4828,34 @@
           <a:bodyPr/>
           <a:lstStyle/>
           <a:p>
-            <a:endParaRPr lang="en-US"/>
+            <a:r>
+              <a:rPr lang="en-US" dirty="0" smtClean="0"/>
+              <a:t>Activities</a:t>
+            </a:r>
+          </a:p>
+          <a:p>
+            <a:r>
+              <a:rPr lang="en-US" dirty="0" smtClean="0"/>
+              <a:t>Services</a:t>
+            </a:r>
+          </a:p>
+          <a:p>
+            <a:r>
+              <a:rPr lang="en-US" dirty="0" smtClean="0"/>
+              <a:t>Broadcast Receivers</a:t>
+            </a:r>
+          </a:p>
+          <a:p>
+            <a:r>
+              <a:rPr lang="en-US" dirty="0" smtClean="0"/>
+              <a:t>Content Resolvers</a:t>
+            </a:r>
+          </a:p>
+          <a:p>
+            <a:pPr>
+              <a:buNone/>
+            </a:pPr>
+            <a:endParaRPr lang="en-US" dirty="0"/>
           </a:p>
         </p:txBody>
       </p:sp>
@@ -4031,6 +4864,13 @@
   <p:clrMapOvr>
     <a:masterClrMapping/>
   </p:clrMapOvr>
+  <p:timing>
+    <p:tnLst>
+      <p:par>
+        <p:cTn id="1" dur="indefinite" restart="never" nodeType="tmRoot"/>
+      </p:par>
+    </p:tnLst>
+  </p:timing>
 </p:sld>
 </file>
 
@@ -4068,7 +4908,7 @@
           <a:p>
             <a:r>
               <a:rPr lang="en-US" dirty="0" smtClean="0"/>
-              <a:t>Resources</a:t>
+              <a:t>Activities</a:t>
             </a:r>
             <a:endParaRPr lang="en-US" dirty="0"/>
           </a:p>
@@ -4091,30 +4931,32 @@
           <a:p>
             <a:r>
               <a:rPr lang="en-US" dirty="0" smtClean="0"/>
-              <a:t>Presentation Materials:</a:t>
-            </a:r>
-          </a:p>
-          <a:p>
-            <a:pPr lvl="1">
-              <a:buNone/>
-            </a:pPr>
-            <a:r>
-              <a:rPr lang="en-US" smtClean="0"/>
-              <a:t>http</a:t>
-            </a:r>
-            <a:r>
-              <a:rPr lang="en-US" smtClean="0"/>
-              <a:t>://</a:t>
-            </a:r>
-            <a:r>
-              <a:rPr lang="en-US" smtClean="0"/>
-              <a:t>github.com/drwelden/Android-Presentation</a:t>
-            </a:r>
-          </a:p>
-          <a:p>
-            <a:pPr lvl="1">
-              <a:buNone/>
-            </a:pPr>
+              <a:t>Holds a View</a:t>
+            </a:r>
+          </a:p>
+          <a:p>
+            <a:pPr lvl="1"/>
+            <a:r>
+              <a:rPr lang="en-US" dirty="0" smtClean="0"/>
+              <a:t>Usually XML-based</a:t>
+            </a:r>
+          </a:p>
+          <a:p>
+            <a:r>
+              <a:rPr lang="en-US" dirty="0" smtClean="0"/>
+              <a:t>UI starting point</a:t>
+            </a:r>
+          </a:p>
+          <a:p>
+            <a:r>
+              <a:rPr lang="en-US" dirty="0" smtClean="0"/>
+              <a:t>Example: Browser</a:t>
+            </a:r>
+          </a:p>
+          <a:p>
+            <a:endParaRPr lang="en-US" dirty="0" smtClean="0"/>
+          </a:p>
+          <a:p>
             <a:endParaRPr lang="en-US" dirty="0"/>
           </a:p>
         </p:txBody>
@@ -4124,6 +4966,577 @@
   <p:clrMapOvr>
     <a:masterClrMapping/>
   </p:clrMapOvr>
+  <p:timing>
+    <p:tnLst>
+      <p:par>
+        <p:cTn id="1" dur="indefinite" restart="never" nodeType="tmRoot"/>
+      </p:par>
+    </p:tnLst>
+  </p:timing>
+</p:sld>
+</file>
+
+<file path=ppt/slides/slide14.xml><?xml version="1.0" encoding="utf-8"?>
+<p:sld xmlns:a="http://schemas.openxmlformats.org/drawingml/2006/main" xmlns:r="http://schemas.openxmlformats.org/officeDocument/2006/relationships" xmlns:p="http://schemas.openxmlformats.org/presentationml/2006/main">
+  <p:cSld>
+    <p:spTree>
+      <p:nvGrpSpPr>
+        <p:cNvPr id="1" name=""/>
+        <p:cNvGrpSpPr/>
+        <p:nvPr/>
+      </p:nvGrpSpPr>
+      <p:grpSpPr>
+        <a:xfrm>
+          <a:off x="0" y="0"/>
+          <a:ext cx="0" cy="0"/>
+          <a:chOff x="0" y="0"/>
+          <a:chExt cx="0" cy="0"/>
+        </a:xfrm>
+      </p:grpSpPr>
+      <p:sp>
+        <p:nvSpPr>
+          <p:cNvPr id="2" name="Title 1"/>
+          <p:cNvSpPr>
+            <a:spLocks noGrp="1"/>
+          </p:cNvSpPr>
+          <p:nvPr>
+            <p:ph type="title"/>
+          </p:nvPr>
+        </p:nvSpPr>
+        <p:spPr/>
+        <p:txBody>
+          <a:bodyPr/>
+          <a:lstStyle/>
+          <a:p>
+            <a:r>
+              <a:rPr lang="en-US" dirty="0" smtClean="0"/>
+              <a:t>Services</a:t>
+            </a:r>
+            <a:endParaRPr lang="en-US" dirty="0"/>
+          </a:p>
+        </p:txBody>
+      </p:sp>
+      <p:sp>
+        <p:nvSpPr>
+          <p:cNvPr id="3" name="Content Placeholder 2"/>
+          <p:cNvSpPr>
+            <a:spLocks noGrp="1"/>
+          </p:cNvSpPr>
+          <p:nvPr>
+            <p:ph idx="1"/>
+          </p:nvPr>
+        </p:nvSpPr>
+        <p:spPr/>
+        <p:txBody>
+          <a:bodyPr/>
+          <a:lstStyle/>
+          <a:p>
+            <a:r>
+              <a:rPr lang="en-US" dirty="0" smtClean="0"/>
+              <a:t>Usually started within an activity</a:t>
+            </a:r>
+          </a:p>
+          <a:p>
+            <a:r>
+              <a:rPr lang="en-US" dirty="0" smtClean="0"/>
+              <a:t>Sit in the background, perform tasks</a:t>
+            </a:r>
+          </a:p>
+          <a:p>
+            <a:r>
+              <a:rPr lang="en-US" dirty="0" smtClean="0"/>
+              <a:t>Example: Music player service</a:t>
+            </a:r>
+            <a:endParaRPr lang="en-US" dirty="0"/>
+          </a:p>
+        </p:txBody>
+      </p:sp>
+    </p:spTree>
+  </p:cSld>
+  <p:clrMapOvr>
+    <a:masterClrMapping/>
+  </p:clrMapOvr>
+  <p:timing>
+    <p:tnLst>
+      <p:par>
+        <p:cTn id="1" dur="indefinite" restart="never" nodeType="tmRoot"/>
+      </p:par>
+    </p:tnLst>
+  </p:timing>
+</p:sld>
+</file>
+
+<file path=ppt/slides/slide15.xml><?xml version="1.0" encoding="utf-8"?>
+<p:sld xmlns:a="http://schemas.openxmlformats.org/drawingml/2006/main" xmlns:r="http://schemas.openxmlformats.org/officeDocument/2006/relationships" xmlns:p="http://schemas.openxmlformats.org/presentationml/2006/main">
+  <p:cSld>
+    <p:spTree>
+      <p:nvGrpSpPr>
+        <p:cNvPr id="1" name=""/>
+        <p:cNvGrpSpPr/>
+        <p:nvPr/>
+      </p:nvGrpSpPr>
+      <p:grpSpPr>
+        <a:xfrm>
+          <a:off x="0" y="0"/>
+          <a:ext cx="0" cy="0"/>
+          <a:chOff x="0" y="0"/>
+          <a:chExt cx="0" cy="0"/>
+        </a:xfrm>
+      </p:grpSpPr>
+      <p:sp>
+        <p:nvSpPr>
+          <p:cNvPr id="2" name="Title 1"/>
+          <p:cNvSpPr>
+            <a:spLocks noGrp="1"/>
+          </p:cNvSpPr>
+          <p:nvPr>
+            <p:ph type="title"/>
+          </p:nvPr>
+        </p:nvSpPr>
+        <p:spPr/>
+        <p:txBody>
+          <a:bodyPr/>
+          <a:lstStyle/>
+          <a:p>
+            <a:r>
+              <a:rPr lang="en-US" dirty="0" smtClean="0"/>
+              <a:t>Broadcast Receivers</a:t>
+            </a:r>
+            <a:endParaRPr lang="en-US" dirty="0"/>
+          </a:p>
+        </p:txBody>
+      </p:sp>
+      <p:sp>
+        <p:nvSpPr>
+          <p:cNvPr id="3" name="Content Placeholder 2"/>
+          <p:cNvSpPr>
+            <a:spLocks noGrp="1"/>
+          </p:cNvSpPr>
+          <p:nvPr>
+            <p:ph idx="1"/>
+          </p:nvPr>
+        </p:nvSpPr>
+        <p:spPr/>
+        <p:txBody>
+          <a:bodyPr/>
+          <a:lstStyle/>
+          <a:p>
+            <a:r>
+              <a:rPr lang="en-US" dirty="0" smtClean="0"/>
+              <a:t>Activated when searching for handler to a service or activity’s broadcast</a:t>
+            </a:r>
+          </a:p>
+          <a:p>
+            <a:r>
+              <a:rPr lang="en-US" dirty="0" smtClean="0"/>
+              <a:t>No UI</a:t>
+            </a:r>
+          </a:p>
+          <a:p>
+            <a:r>
+              <a:rPr lang="en-US" dirty="0" smtClean="0"/>
+              <a:t>Usually notification-oriented actions</a:t>
+            </a:r>
+          </a:p>
+          <a:p>
+            <a:r>
+              <a:rPr lang="en-US" dirty="0" smtClean="0"/>
+              <a:t>Example: Battery Low notification</a:t>
+            </a:r>
+            <a:endParaRPr lang="en-US" dirty="0"/>
+          </a:p>
+        </p:txBody>
+      </p:sp>
+    </p:spTree>
+  </p:cSld>
+  <p:clrMapOvr>
+    <a:masterClrMapping/>
+  </p:clrMapOvr>
+  <p:timing>
+    <p:tnLst>
+      <p:par>
+        <p:cTn id="1" dur="indefinite" restart="never" nodeType="tmRoot"/>
+      </p:par>
+    </p:tnLst>
+  </p:timing>
+</p:sld>
+</file>
+
+<file path=ppt/slides/slide16.xml><?xml version="1.0" encoding="utf-8"?>
+<p:sld xmlns:a="http://schemas.openxmlformats.org/drawingml/2006/main" xmlns:r="http://schemas.openxmlformats.org/officeDocument/2006/relationships" xmlns:p="http://schemas.openxmlformats.org/presentationml/2006/main">
+  <p:cSld>
+    <p:spTree>
+      <p:nvGrpSpPr>
+        <p:cNvPr id="1" name=""/>
+        <p:cNvGrpSpPr/>
+        <p:nvPr/>
+      </p:nvGrpSpPr>
+      <p:grpSpPr>
+        <a:xfrm>
+          <a:off x="0" y="0"/>
+          <a:ext cx="0" cy="0"/>
+          <a:chOff x="0" y="0"/>
+          <a:chExt cx="0" cy="0"/>
+        </a:xfrm>
+      </p:grpSpPr>
+      <p:sp>
+        <p:nvSpPr>
+          <p:cNvPr id="2" name="Title 1"/>
+          <p:cNvSpPr>
+            <a:spLocks noGrp="1"/>
+          </p:cNvSpPr>
+          <p:nvPr>
+            <p:ph type="title"/>
+          </p:nvPr>
+        </p:nvSpPr>
+        <p:spPr/>
+        <p:txBody>
+          <a:bodyPr/>
+          <a:lstStyle/>
+          <a:p>
+            <a:r>
+              <a:rPr lang="en-US" dirty="0" smtClean="0"/>
+              <a:t>Content Providers</a:t>
+            </a:r>
+            <a:endParaRPr lang="en-US" dirty="0"/>
+          </a:p>
+        </p:txBody>
+      </p:sp>
+      <p:sp>
+        <p:nvSpPr>
+          <p:cNvPr id="3" name="Content Placeholder 2"/>
+          <p:cNvSpPr>
+            <a:spLocks noGrp="1"/>
+          </p:cNvSpPr>
+          <p:nvPr>
+            <p:ph idx="1"/>
+          </p:nvPr>
+        </p:nvSpPr>
+        <p:spPr/>
+        <p:txBody>
+          <a:bodyPr/>
+          <a:lstStyle/>
+          <a:p>
+            <a:r>
+              <a:rPr lang="en-US" dirty="0" smtClean="0"/>
+              <a:t>Not invoked directly</a:t>
+            </a:r>
+          </a:p>
+          <a:p>
+            <a:r>
+              <a:rPr lang="en-US" dirty="0" smtClean="0"/>
+              <a:t>Retrieve/Store information</a:t>
+            </a:r>
+          </a:p>
+          <a:p>
+            <a:r>
+              <a:rPr lang="en-US" dirty="0" smtClean="0"/>
+              <a:t>Not common</a:t>
+            </a:r>
+          </a:p>
+          <a:p>
+            <a:r>
+              <a:rPr lang="en-US" dirty="0" smtClean="0"/>
+              <a:t>Activity Invocation alternative</a:t>
+            </a:r>
+          </a:p>
+        </p:txBody>
+      </p:sp>
+    </p:spTree>
+  </p:cSld>
+  <p:clrMapOvr>
+    <a:masterClrMapping/>
+  </p:clrMapOvr>
+  <p:timing>
+    <p:tnLst>
+      <p:par>
+        <p:cTn id="1" dur="indefinite" restart="never" nodeType="tmRoot"/>
+      </p:par>
+    </p:tnLst>
+  </p:timing>
+</p:sld>
+</file>
+
+<file path=ppt/slides/slide17.xml><?xml version="1.0" encoding="utf-8"?>
+<p:sld xmlns:a="http://schemas.openxmlformats.org/drawingml/2006/main" xmlns:r="http://schemas.openxmlformats.org/officeDocument/2006/relationships" xmlns:p="http://schemas.openxmlformats.org/presentationml/2006/main">
+  <p:cSld>
+    <p:spTree>
+      <p:nvGrpSpPr>
+        <p:cNvPr id="1" name=""/>
+        <p:cNvGrpSpPr/>
+        <p:nvPr/>
+      </p:nvGrpSpPr>
+      <p:grpSpPr>
+        <a:xfrm>
+          <a:off x="0" y="0"/>
+          <a:ext cx="0" cy="0"/>
+          <a:chOff x="0" y="0"/>
+          <a:chExt cx="0" cy="0"/>
+        </a:xfrm>
+      </p:grpSpPr>
+      <p:sp>
+        <p:nvSpPr>
+          <p:cNvPr id="2" name="Title 1"/>
+          <p:cNvSpPr>
+            <a:spLocks noGrp="1"/>
+          </p:cNvSpPr>
+          <p:nvPr>
+            <p:ph type="title"/>
+          </p:nvPr>
+        </p:nvSpPr>
+        <p:spPr>
+          <a:xfrm>
+            <a:off x="457200" y="2743200"/>
+            <a:ext cx="8229600" cy="1143000"/>
+          </a:xfrm>
+        </p:spPr>
+        <p:txBody>
+          <a:bodyPr/>
+          <a:lstStyle/>
+          <a:p>
+            <a:r>
+              <a:rPr lang="en-US" dirty="0" smtClean="0"/>
+              <a:t>Dive Into Code</a:t>
+            </a:r>
+            <a:endParaRPr lang="en-US" dirty="0"/>
+          </a:p>
+        </p:txBody>
+      </p:sp>
+    </p:spTree>
+  </p:cSld>
+  <p:clrMapOvr>
+    <a:masterClrMapping/>
+  </p:clrMapOvr>
+  <p:timing>
+    <p:tnLst>
+      <p:par>
+        <p:cTn id="1" dur="indefinite" restart="never" nodeType="tmRoot"/>
+      </p:par>
+    </p:tnLst>
+  </p:timing>
+</p:sld>
+</file>
+
+<file path=ppt/slides/slide18.xml><?xml version="1.0" encoding="utf-8"?>
+<p:sld xmlns:a="http://schemas.openxmlformats.org/drawingml/2006/main" xmlns:r="http://schemas.openxmlformats.org/officeDocument/2006/relationships" xmlns:p="http://schemas.openxmlformats.org/presentationml/2006/main">
+  <p:cSld>
+    <p:spTree>
+      <p:nvGrpSpPr>
+        <p:cNvPr id="1" name=""/>
+        <p:cNvGrpSpPr/>
+        <p:nvPr/>
+      </p:nvGrpSpPr>
+      <p:grpSpPr>
+        <a:xfrm>
+          <a:off x="0" y="0"/>
+          <a:ext cx="0" cy="0"/>
+          <a:chOff x="0" y="0"/>
+          <a:chExt cx="0" cy="0"/>
+        </a:xfrm>
+      </p:grpSpPr>
+      <p:sp>
+        <p:nvSpPr>
+          <p:cNvPr id="2" name="Title 1"/>
+          <p:cNvSpPr>
+            <a:spLocks noGrp="1"/>
+          </p:cNvSpPr>
+          <p:nvPr>
+            <p:ph type="title"/>
+          </p:nvPr>
+        </p:nvSpPr>
+        <p:spPr/>
+        <p:txBody>
+          <a:bodyPr/>
+          <a:lstStyle/>
+          <a:p>
+            <a:endParaRPr lang="en-US"/>
+          </a:p>
+        </p:txBody>
+      </p:sp>
+      <p:sp>
+        <p:nvSpPr>
+          <p:cNvPr id="3" name="Content Placeholder 2"/>
+          <p:cNvSpPr>
+            <a:spLocks noGrp="1"/>
+          </p:cNvSpPr>
+          <p:nvPr>
+            <p:ph idx="1"/>
+          </p:nvPr>
+        </p:nvSpPr>
+        <p:spPr/>
+        <p:txBody>
+          <a:bodyPr/>
+          <a:lstStyle/>
+          <a:p>
+            <a:endParaRPr lang="en-US"/>
+          </a:p>
+        </p:txBody>
+      </p:sp>
+    </p:spTree>
+  </p:cSld>
+  <p:clrMapOvr>
+    <a:masterClrMapping/>
+  </p:clrMapOvr>
+  <p:timing>
+    <p:tnLst>
+      <p:par>
+        <p:cTn id="1" dur="indefinite" restart="never" nodeType="tmRoot"/>
+      </p:par>
+    </p:tnLst>
+  </p:timing>
+</p:sld>
+</file>
+
+<file path=ppt/slides/slide19.xml><?xml version="1.0" encoding="utf-8"?>
+<p:sld xmlns:a="http://schemas.openxmlformats.org/drawingml/2006/main" xmlns:r="http://schemas.openxmlformats.org/officeDocument/2006/relationships" xmlns:p="http://schemas.openxmlformats.org/presentationml/2006/main">
+  <p:cSld>
+    <p:spTree>
+      <p:nvGrpSpPr>
+        <p:cNvPr id="1" name=""/>
+        <p:cNvGrpSpPr/>
+        <p:nvPr/>
+      </p:nvGrpSpPr>
+      <p:grpSpPr>
+        <a:xfrm>
+          <a:off x="0" y="0"/>
+          <a:ext cx="0" cy="0"/>
+          <a:chOff x="0" y="0"/>
+          <a:chExt cx="0" cy="0"/>
+        </a:xfrm>
+      </p:grpSpPr>
+      <p:sp>
+        <p:nvSpPr>
+          <p:cNvPr id="2" name="Title 1"/>
+          <p:cNvSpPr>
+            <a:spLocks noGrp="1"/>
+          </p:cNvSpPr>
+          <p:nvPr>
+            <p:ph type="title"/>
+          </p:nvPr>
+        </p:nvSpPr>
+        <p:spPr/>
+        <p:txBody>
+          <a:bodyPr/>
+          <a:lstStyle/>
+          <a:p>
+            <a:r>
+              <a:rPr lang="en-US" dirty="0" smtClean="0"/>
+              <a:t>Resources</a:t>
+            </a:r>
+            <a:endParaRPr lang="en-US" dirty="0"/>
+          </a:p>
+        </p:txBody>
+      </p:sp>
+      <p:sp>
+        <p:nvSpPr>
+          <p:cNvPr id="3" name="Content Placeholder 2"/>
+          <p:cNvSpPr>
+            <a:spLocks noGrp="1"/>
+          </p:cNvSpPr>
+          <p:nvPr>
+            <p:ph idx="1"/>
+          </p:nvPr>
+        </p:nvSpPr>
+        <p:spPr/>
+        <p:txBody>
+          <a:bodyPr>
+            <a:normAutofit lnSpcReduction="10000"/>
+          </a:bodyPr>
+          <a:lstStyle/>
+          <a:p>
+            <a:r>
+              <a:rPr lang="en-US" dirty="0" smtClean="0"/>
+              <a:t>Presentation Materials:</a:t>
+            </a:r>
+          </a:p>
+          <a:p>
+            <a:pPr lvl="1">
+              <a:buNone/>
+            </a:pPr>
+            <a:r>
+              <a:rPr lang="en-US" dirty="0" smtClean="0"/>
+              <a:t>http://github.com/drwelden/Android-Presentation</a:t>
+            </a:r>
+          </a:p>
+          <a:p>
+            <a:r>
+              <a:rPr lang="en-US" dirty="0" smtClean="0"/>
+              <a:t>Android SDK/Documentation:</a:t>
+            </a:r>
+          </a:p>
+          <a:p>
+            <a:pPr lvl="1">
+              <a:buNone/>
+            </a:pPr>
+            <a:r>
+              <a:rPr lang="en-US" dirty="0" smtClean="0"/>
+              <a:t>http://developer.android.com/</a:t>
+            </a:r>
+          </a:p>
+          <a:p>
+            <a:r>
+              <a:rPr lang="en-US" dirty="0" smtClean="0"/>
+              <a:t>Eclipse:</a:t>
+            </a:r>
+          </a:p>
+          <a:p>
+            <a:pPr lvl="1">
+              <a:buNone/>
+            </a:pPr>
+            <a:r>
+              <a:rPr lang="en-US" dirty="0" smtClean="0"/>
+              <a:t>http://www.eclipse.org/</a:t>
+            </a:r>
+          </a:p>
+          <a:p>
+            <a:r>
+              <a:rPr lang="en-US" dirty="0" smtClean="0"/>
+              <a:t>Me!</a:t>
+            </a:r>
+          </a:p>
+          <a:p>
+            <a:pPr lvl="1">
+              <a:buNone/>
+            </a:pPr>
+            <a:r>
+              <a:rPr lang="en-US" dirty="0" smtClean="0"/>
+              <a:t>E-Mail: dustin.welden@gmail.com </a:t>
+            </a:r>
+          </a:p>
+          <a:p>
+            <a:pPr lvl="1">
+              <a:buNone/>
+            </a:pPr>
+            <a:r>
+              <a:rPr lang="en-US" dirty="0" smtClean="0"/>
+              <a:t>Twitter: @</a:t>
+            </a:r>
+            <a:r>
+              <a:rPr lang="en-US" dirty="0" err="1" smtClean="0"/>
+              <a:t>drwelden</a:t>
+            </a:r>
+            <a:endParaRPr lang="en-US" dirty="0" smtClean="0"/>
+          </a:p>
+          <a:p>
+            <a:pPr lvl="1">
+              <a:buNone/>
+            </a:pPr>
+            <a:endParaRPr lang="en-US" dirty="0"/>
+          </a:p>
+        </p:txBody>
+      </p:sp>
+    </p:spTree>
+  </p:cSld>
+  <p:clrMapOvr>
+    <a:masterClrMapping/>
+  </p:clrMapOvr>
+  <p:timing>
+    <p:tnLst>
+      <p:par>
+        <p:cTn id="1" dur="indefinite" restart="never" nodeType="tmRoot"/>
+      </p:par>
+    </p:tnLst>
+  </p:timing>
 </p:sld>
 </file>
 
@@ -4151,19 +5564,165 @@
             <a:spLocks noGrp="1"/>
           </p:cNvSpPr>
           <p:nvPr>
+            <p:ph type="ctrTitle"/>
+          </p:nvPr>
+        </p:nvSpPr>
+        <p:spPr/>
+        <p:txBody>
+          <a:bodyPr/>
+          <a:lstStyle/>
+          <a:p>
+            <a:r>
+              <a:rPr lang="en-US" dirty="0" smtClean="0"/>
+              <a:t>Developing With Android</a:t>
+            </a:r>
+            <a:endParaRPr lang="en-US" dirty="0"/>
+          </a:p>
+        </p:txBody>
+      </p:sp>
+      <p:sp>
+        <p:nvSpPr>
+          <p:cNvPr id="3" name="Subtitle 2"/>
+          <p:cNvSpPr>
+            <a:spLocks noGrp="1"/>
+          </p:cNvSpPr>
+          <p:nvPr>
+            <p:ph type="subTitle" idx="1"/>
+          </p:nvPr>
+        </p:nvSpPr>
+        <p:spPr/>
+        <p:txBody>
+          <a:bodyPr/>
+          <a:lstStyle/>
+          <a:p>
+            <a:r>
+              <a:rPr lang="en-US" dirty="0" smtClean="0"/>
+              <a:t>Dustin R. Welden</a:t>
+            </a:r>
+          </a:p>
+          <a:p>
+            <a:r>
+              <a:rPr lang="en-US" dirty="0" smtClean="0"/>
+              <a:t>ACM Wichita</a:t>
+            </a:r>
+          </a:p>
+          <a:p>
+            <a:r>
+              <a:rPr lang="en-US" dirty="0" smtClean="0"/>
+              <a:t>22 September 2010</a:t>
+            </a:r>
+            <a:endParaRPr lang="en-US" dirty="0"/>
+          </a:p>
+        </p:txBody>
+      </p:sp>
+    </p:spTree>
+  </p:cSld>
+  <p:clrMapOvr>
+    <a:masterClrMapping/>
+  </p:clrMapOvr>
+  <p:timing>
+    <p:tnLst>
+      <p:par>
+        <p:cTn id="1" dur="indefinite" restart="never" nodeType="tmRoot"/>
+      </p:par>
+    </p:tnLst>
+  </p:timing>
+</p:sld>
+</file>
+
+<file path=ppt/slides/slide20.xml><?xml version="1.0" encoding="utf-8"?>
+<p:sld xmlns:a="http://schemas.openxmlformats.org/drawingml/2006/main" xmlns:r="http://schemas.openxmlformats.org/officeDocument/2006/relationships" xmlns:p="http://schemas.openxmlformats.org/presentationml/2006/main">
+  <p:cSld>
+    <p:spTree>
+      <p:nvGrpSpPr>
+        <p:cNvPr id="1" name=""/>
+        <p:cNvGrpSpPr/>
+        <p:nvPr/>
+      </p:nvGrpSpPr>
+      <p:grpSpPr>
+        <a:xfrm>
+          <a:off x="0" y="0"/>
+          <a:ext cx="0" cy="0"/>
+          <a:chOff x="0" y="0"/>
+          <a:chExt cx="0" cy="0"/>
+        </a:xfrm>
+      </p:grpSpPr>
+      <p:sp>
+        <p:nvSpPr>
+          <p:cNvPr id="2" name="Title 1"/>
+          <p:cNvSpPr>
+            <a:spLocks noGrp="1"/>
+          </p:cNvSpPr>
+          <p:nvPr>
             <p:ph type="title"/>
           </p:nvPr>
         </p:nvSpPr>
-        <p:spPr/>
+        <p:spPr>
+          <a:xfrm>
+            <a:off x="457200" y="2895600"/>
+            <a:ext cx="8229600" cy="1143000"/>
+          </a:xfrm>
+        </p:spPr>
         <p:txBody>
           <a:bodyPr/>
           <a:lstStyle/>
           <a:p>
             <a:r>
               <a:rPr lang="en-US" dirty="0" smtClean="0"/>
-              <a:t>What is Android?</a:t>
+              <a:t>Questions?</a:t>
             </a:r>
             <a:endParaRPr lang="en-US" dirty="0"/>
+          </a:p>
+        </p:txBody>
+      </p:sp>
+    </p:spTree>
+  </p:cSld>
+  <p:clrMapOvr>
+    <a:masterClrMapping/>
+  </p:clrMapOvr>
+  <p:timing>
+    <p:tnLst>
+      <p:par>
+        <p:cTn id="1" dur="indefinite" restart="never" nodeType="tmRoot"/>
+      </p:par>
+    </p:tnLst>
+  </p:timing>
+</p:sld>
+</file>
+
+<file path=ppt/slides/slide21.xml><?xml version="1.0" encoding="utf-8"?>
+<p:sld xmlns:a="http://schemas.openxmlformats.org/drawingml/2006/main" xmlns:r="http://schemas.openxmlformats.org/officeDocument/2006/relationships" xmlns:p="http://schemas.openxmlformats.org/presentationml/2006/main">
+  <p:cSld>
+    <p:spTree>
+      <p:nvGrpSpPr>
+        <p:cNvPr id="1" name=""/>
+        <p:cNvGrpSpPr/>
+        <p:nvPr/>
+      </p:nvGrpSpPr>
+      <p:grpSpPr>
+        <a:xfrm>
+          <a:off x="0" y="0"/>
+          <a:ext cx="0" cy="0"/>
+          <a:chOff x="0" y="0"/>
+          <a:chExt cx="0" cy="0"/>
+        </a:xfrm>
+      </p:grpSpPr>
+      <p:sp>
+        <p:nvSpPr>
+          <p:cNvPr id="2" name="Title 1"/>
+          <p:cNvSpPr>
+            <a:spLocks noGrp="1"/>
+          </p:cNvSpPr>
+          <p:nvPr>
+            <p:ph type="title"/>
+          </p:nvPr>
+        </p:nvSpPr>
+        <p:spPr/>
+        <p:txBody>
+          <a:bodyPr/>
+          <a:lstStyle/>
+          <a:p>
+            <a:endParaRPr lang="en-US"/>
           </a:p>
         </p:txBody>
       </p:sp>
@@ -4182,22 +5741,7 @@
           <a:bodyPr/>
           <a:lstStyle/>
           <a:p>
-            <a:r>
-              <a:rPr lang="en-US" dirty="0" smtClean="0"/>
-              <a:t>Linux-based operating system</a:t>
-            </a:r>
-          </a:p>
-          <a:p>
-            <a:r>
-              <a:rPr lang="en-US" dirty="0" smtClean="0"/>
-              <a:t>Mobile OS</a:t>
-            </a:r>
-          </a:p>
-          <a:p>
-            <a:r>
-              <a:rPr lang="en-US" dirty="0" smtClean="0"/>
-              <a:t>Tablets</a:t>
-            </a:r>
+            <a:endParaRPr lang="en-US"/>
           </a:p>
         </p:txBody>
       </p:sp>
@@ -4206,6 +5750,13 @@
   <p:clrMapOvr>
     <a:masterClrMapping/>
   </p:clrMapOvr>
+  <p:timing>
+    <p:tnLst>
+      <p:par>
+        <p:cTn id="1" dur="indefinite" restart="never" nodeType="tmRoot"/>
+      </p:par>
+    </p:tnLst>
+  </p:timing>
 </p:sld>
 </file>
 
@@ -4266,7 +5817,7 @@
           <a:p>
             <a:r>
               <a:rPr lang="en-US" dirty="0" smtClean="0"/>
-              <a:t>Brief History</a:t>
+              <a:t>Intro &amp; Brief History</a:t>
             </a:r>
           </a:p>
           <a:p>
@@ -4306,6 +5857,165 @@
 </file>
 
 <file path=ppt/slides/slide4.xml><?xml version="1.0" encoding="utf-8"?>
+<p:sld xmlns:a="http://schemas.openxmlformats.org/drawingml/2006/main" xmlns:r="http://schemas.openxmlformats.org/officeDocument/2006/relationships" xmlns:p="http://schemas.openxmlformats.org/presentationml/2006/main">
+  <p:cSld>
+    <p:spTree>
+      <p:nvGrpSpPr>
+        <p:cNvPr id="1" name=""/>
+        <p:cNvGrpSpPr/>
+        <p:nvPr/>
+      </p:nvGrpSpPr>
+      <p:grpSpPr>
+        <a:xfrm>
+          <a:off x="0" y="0"/>
+          <a:ext cx="0" cy="0"/>
+          <a:chOff x="0" y="0"/>
+          <a:chExt cx="0" cy="0"/>
+        </a:xfrm>
+      </p:grpSpPr>
+      <p:sp>
+        <p:nvSpPr>
+          <p:cNvPr id="2" name="Title 1"/>
+          <p:cNvSpPr>
+            <a:spLocks noGrp="1"/>
+          </p:cNvSpPr>
+          <p:nvPr>
+            <p:ph type="title"/>
+          </p:nvPr>
+        </p:nvSpPr>
+        <p:spPr/>
+        <p:txBody>
+          <a:bodyPr/>
+          <a:lstStyle/>
+          <a:p>
+            <a:endParaRPr lang="en-US" dirty="0"/>
+          </a:p>
+        </p:txBody>
+      </p:sp>
+      <p:sp>
+        <p:nvSpPr>
+          <p:cNvPr id="3" name="Content Placeholder 2"/>
+          <p:cNvSpPr>
+            <a:spLocks noGrp="1"/>
+          </p:cNvSpPr>
+          <p:nvPr>
+            <p:ph idx="1"/>
+          </p:nvPr>
+        </p:nvSpPr>
+        <p:spPr/>
+        <p:txBody>
+          <a:bodyPr/>
+          <a:lstStyle/>
+          <a:p>
+            <a:endParaRPr lang="en-US" dirty="0"/>
+          </a:p>
+        </p:txBody>
+      </p:sp>
+    </p:spTree>
+  </p:cSld>
+  <p:clrMapOvr>
+    <a:masterClrMapping/>
+  </p:clrMapOvr>
+  <p:timing>
+    <p:tnLst>
+      <p:par>
+        <p:cTn id="1" dur="indefinite" restart="never" nodeType="tmRoot"/>
+      </p:par>
+    </p:tnLst>
+  </p:timing>
+</p:sld>
+</file>
+
+<file path=ppt/slides/slide5.xml><?xml version="1.0" encoding="utf-8"?>
+<p:sld xmlns:a="http://schemas.openxmlformats.org/drawingml/2006/main" xmlns:r="http://schemas.openxmlformats.org/officeDocument/2006/relationships" xmlns:p="http://schemas.openxmlformats.org/presentationml/2006/main">
+  <p:cSld>
+    <p:spTree>
+      <p:nvGrpSpPr>
+        <p:cNvPr id="1" name=""/>
+        <p:cNvGrpSpPr/>
+        <p:nvPr/>
+      </p:nvGrpSpPr>
+      <p:grpSpPr>
+        <a:xfrm>
+          <a:off x="0" y="0"/>
+          <a:ext cx="0" cy="0"/>
+          <a:chOff x="0" y="0"/>
+          <a:chExt cx="0" cy="0"/>
+        </a:xfrm>
+      </p:grpSpPr>
+      <p:sp>
+        <p:nvSpPr>
+          <p:cNvPr id="2" name="Title 1"/>
+          <p:cNvSpPr>
+            <a:spLocks noGrp="1"/>
+          </p:cNvSpPr>
+          <p:nvPr>
+            <p:ph type="title"/>
+          </p:nvPr>
+        </p:nvSpPr>
+        <p:spPr/>
+        <p:txBody>
+          <a:bodyPr/>
+          <a:lstStyle/>
+          <a:p>
+            <a:r>
+              <a:rPr lang="en-US" dirty="0" smtClean="0"/>
+              <a:t>What is Android?</a:t>
+            </a:r>
+            <a:endParaRPr lang="en-US" dirty="0"/>
+          </a:p>
+        </p:txBody>
+      </p:sp>
+      <p:sp>
+        <p:nvSpPr>
+          <p:cNvPr id="3" name="Content Placeholder 2"/>
+          <p:cNvSpPr>
+            <a:spLocks noGrp="1"/>
+          </p:cNvSpPr>
+          <p:nvPr>
+            <p:ph idx="1"/>
+          </p:nvPr>
+        </p:nvSpPr>
+        <p:spPr/>
+        <p:txBody>
+          <a:bodyPr/>
+          <a:lstStyle/>
+          <a:p>
+            <a:r>
+              <a:rPr lang="en-US" dirty="0" smtClean="0"/>
+              <a:t>Linux-based operating system</a:t>
+            </a:r>
+          </a:p>
+          <a:p>
+            <a:r>
+              <a:rPr lang="en-US" dirty="0" smtClean="0"/>
+              <a:t>Mobile OS</a:t>
+            </a:r>
+          </a:p>
+          <a:p>
+            <a:r>
+              <a:rPr lang="en-US" dirty="0" smtClean="0"/>
+              <a:t>Tablets</a:t>
+            </a:r>
+          </a:p>
+        </p:txBody>
+      </p:sp>
+    </p:spTree>
+  </p:cSld>
+  <p:clrMapOvr>
+    <a:masterClrMapping/>
+  </p:clrMapOvr>
+  <p:timing>
+    <p:tnLst>
+      <p:par>
+        <p:cTn id="1" dur="indefinite" restart="never" nodeType="tmRoot"/>
+      </p:par>
+    </p:tnLst>
+  </p:timing>
+</p:sld>
+</file>
+
+<file path=ppt/slides/slide6.xml><?xml version="1.0" encoding="utf-8"?>
 <p:sld xmlns:a="http://schemas.openxmlformats.org/drawingml/2006/main" xmlns:r="http://schemas.openxmlformats.org/officeDocument/2006/relationships" xmlns:p="http://schemas.openxmlformats.org/presentationml/2006/main">
   <p:cSld>
     <p:spTree>
@@ -7535,7 +9245,7 @@
 </p:sld>
 </file>
 
-<file path=ppt/slides/slide5.xml><?xml version="1.0" encoding="utf-8"?>
+<file path=ppt/slides/slide7.xml><?xml version="1.0" encoding="utf-8"?>
 <p:sld xmlns:a="http://schemas.openxmlformats.org/drawingml/2006/main" xmlns:r="http://schemas.openxmlformats.org/officeDocument/2006/relationships" xmlns:p="http://schemas.openxmlformats.org/presentationml/2006/main">
   <p:cSld>
     <p:spTree>
@@ -7719,7 +9429,7 @@
 </p:sld>
 </file>
 
-<file path=ppt/slides/slide6.xml><?xml version="1.0" encoding="utf-8"?>
+<file path=ppt/slides/slide8.xml><?xml version="1.0" encoding="utf-8"?>
 <p:sld xmlns:a="http://schemas.openxmlformats.org/drawingml/2006/main" xmlns:r="http://schemas.openxmlformats.org/officeDocument/2006/relationships" xmlns:p="http://schemas.openxmlformats.org/presentationml/2006/main">
   <p:cSld>
     <p:spTree>
@@ -7882,959 +9592,10 @@
   <p:clrMapOvr>
     <a:masterClrMapping/>
   </p:clrMapOvr>
-</p:sld>
-</file>
-
-<file path=ppt/slides/slide7.xml><?xml version="1.0" encoding="utf-8"?>
-<p:sld xmlns:a="http://schemas.openxmlformats.org/drawingml/2006/main" xmlns:r="http://schemas.openxmlformats.org/officeDocument/2006/relationships" xmlns:p="http://schemas.openxmlformats.org/presentationml/2006/main">
-  <p:cSld>
-    <p:spTree>
-      <p:nvGrpSpPr>
-        <p:cNvPr id="1" name=""/>
-        <p:cNvGrpSpPr/>
-        <p:nvPr/>
-      </p:nvGrpSpPr>
-      <p:grpSpPr>
-        <a:xfrm>
-          <a:off x="0" y="0"/>
-          <a:ext cx="0" cy="0"/>
-          <a:chOff x="0" y="0"/>
-          <a:chExt cx="0" cy="0"/>
-        </a:xfrm>
-      </p:grpSpPr>
-      <p:sp>
-        <p:nvSpPr>
-          <p:cNvPr id="2" name="Title 1"/>
-          <p:cNvSpPr>
-            <a:spLocks noGrp="1"/>
-          </p:cNvSpPr>
-          <p:nvPr>
-            <p:ph type="title"/>
-          </p:nvPr>
-        </p:nvSpPr>
-        <p:spPr/>
-        <p:txBody>
-          <a:bodyPr/>
-          <a:lstStyle/>
-          <a:p>
-            <a:r>
-              <a:rPr lang="en-US" dirty="0" smtClean="0"/>
-              <a:t>Why Android?</a:t>
-            </a:r>
-            <a:endParaRPr lang="en-US" dirty="0"/>
-          </a:p>
-        </p:txBody>
-      </p:sp>
-      <p:sp>
-        <p:nvSpPr>
-          <p:cNvPr id="3" name="Content Placeholder 2"/>
-          <p:cNvSpPr>
-            <a:spLocks noGrp="1"/>
-          </p:cNvSpPr>
-          <p:nvPr>
-            <p:ph idx="1"/>
-          </p:nvPr>
-        </p:nvSpPr>
-        <p:spPr/>
-        <p:txBody>
-          <a:bodyPr/>
-          <a:lstStyle/>
-          <a:p>
-            <a:r>
-              <a:rPr lang="en-US" dirty="0" smtClean="0"/>
-              <a:t>Open Source</a:t>
-            </a:r>
-          </a:p>
-          <a:p>
-            <a:r>
-              <a:rPr lang="en-US" dirty="0" smtClean="0"/>
-              <a:t>Open Market</a:t>
-            </a:r>
-          </a:p>
-          <a:p>
-            <a:r>
-              <a:rPr lang="en-US" dirty="0" smtClean="0"/>
-              <a:t>Revenue is Good</a:t>
-            </a:r>
-          </a:p>
-          <a:p>
-            <a:endParaRPr lang="en-US" dirty="0"/>
-          </a:p>
-        </p:txBody>
-      </p:sp>
-    </p:spTree>
-  </p:cSld>
-  <p:clrMapOvr>
-    <a:masterClrMapping/>
-  </p:clrMapOvr>
   <p:timing>
     <p:tnLst>
       <p:par>
         <p:cTn id="1" dur="indefinite" restart="never" nodeType="tmRoot"/>
-      </p:par>
-    </p:tnLst>
-  </p:timing>
-</p:sld>
-</file>
-
-<file path=ppt/slides/slide8.xml><?xml version="1.0" encoding="utf-8"?>
-<p:sld xmlns:a="http://schemas.openxmlformats.org/drawingml/2006/main" xmlns:r="http://schemas.openxmlformats.org/officeDocument/2006/relationships" xmlns:p="http://schemas.openxmlformats.org/presentationml/2006/main">
-  <p:cSld>
-    <p:spTree>
-      <p:nvGrpSpPr>
-        <p:cNvPr id="1" name=""/>
-        <p:cNvGrpSpPr/>
-        <p:nvPr/>
-      </p:nvGrpSpPr>
-      <p:grpSpPr>
-        <a:xfrm>
-          <a:off x="0" y="0"/>
-          <a:ext cx="0" cy="0"/>
-          <a:chOff x="0" y="0"/>
-          <a:chExt cx="0" cy="0"/>
-        </a:xfrm>
-      </p:grpSpPr>
-      <p:sp>
-        <p:nvSpPr>
-          <p:cNvPr id="2" name="Title 1"/>
-          <p:cNvSpPr>
-            <a:spLocks noGrp="1"/>
-          </p:cNvSpPr>
-          <p:nvPr>
-            <p:ph type="title"/>
-          </p:nvPr>
-        </p:nvSpPr>
-        <p:spPr/>
-        <p:txBody>
-          <a:bodyPr/>
-          <a:lstStyle/>
-          <a:p>
-            <a:r>
-              <a:rPr lang="en-US" dirty="0" smtClean="0"/>
-              <a:t>Android Architecture</a:t>
-            </a:r>
-            <a:endParaRPr lang="en-US" dirty="0"/>
-          </a:p>
-        </p:txBody>
-      </p:sp>
-      <p:pic>
-        <p:nvPicPr>
-          <p:cNvPr id="1026" name="Picture 2" descr="Android System Architecture"/>
-          <p:cNvPicPr>
-            <a:picLocks noChangeAspect="1" noChangeArrowheads="1"/>
-          </p:cNvPicPr>
-          <p:nvPr/>
-        </p:nvPicPr>
-        <p:blipFill>
-          <a:blip r:embed="rId2" cstate="print"/>
-          <a:srcRect/>
-          <a:stretch>
-            <a:fillRect/>
-          </a:stretch>
-        </p:blipFill>
-        <p:spPr bwMode="auto">
-          <a:xfrm>
-            <a:off x="1219200" y="1524000"/>
-            <a:ext cx="6791325" cy="4876801"/>
-          </a:xfrm>
-          <a:prstGeom prst="rect">
-            <a:avLst/>
-          </a:prstGeom>
-          <a:noFill/>
-        </p:spPr>
-      </p:pic>
-      <p:sp>
-        <p:nvSpPr>
-          <p:cNvPr id="5" name="TextBox 4"/>
-          <p:cNvSpPr txBox="1"/>
-          <p:nvPr/>
-        </p:nvSpPr>
-        <p:spPr>
-          <a:xfrm>
-            <a:off x="5082225" y="6324600"/>
-            <a:ext cx="3223575" cy="369332"/>
-          </a:xfrm>
-          <a:prstGeom prst="rect">
-            <a:avLst/>
-          </a:prstGeom>
-          <a:noFill/>
-        </p:spPr>
-        <p:txBody>
-          <a:bodyPr wrap="none" rtlCol="0">
-            <a:spAutoFit/>
-          </a:bodyPr>
-          <a:lstStyle/>
-          <a:p>
-            <a:r>
-              <a:rPr lang="en-US" dirty="0" smtClean="0">
-                <a:ln w="18415" cmpd="sng">
-                  <a:solidFill>
-                    <a:srgbClr val="FFFFFF"/>
-                  </a:solidFill>
-                  <a:prstDash val="solid"/>
-                </a:ln>
-                <a:solidFill>
-                  <a:srgbClr val="FFFFFF"/>
-                </a:solidFill>
-                <a:effectLst>
-                  <a:outerShdw blurRad="63500" dir="3600000" algn="tl" rotWithShape="0">
-                    <a:srgbClr val="000000">
-                      <a:alpha val="70000"/>
-                    </a:srgbClr>
-                  </a:outerShdw>
-                </a:effectLst>
-              </a:rPr>
-              <a:t>Source: developer.android.com</a:t>
-            </a:r>
-            <a:endParaRPr lang="en-US" dirty="0">
-              <a:ln w="18415" cmpd="sng">
-                <a:solidFill>
-                  <a:srgbClr val="FFFFFF"/>
-                </a:solidFill>
-                <a:prstDash val="solid"/>
-              </a:ln>
-              <a:solidFill>
-                <a:srgbClr val="FFFFFF"/>
-              </a:solidFill>
-              <a:effectLst>
-                <a:outerShdw blurRad="63500" dir="3600000" algn="tl" rotWithShape="0">
-                  <a:srgbClr val="000000">
-                    <a:alpha val="70000"/>
-                  </a:srgbClr>
-                </a:outerShdw>
-              </a:effectLst>
-            </a:endParaRPr>
-          </a:p>
-        </p:txBody>
-      </p:sp>
-      <p:grpSp>
-        <p:nvGrpSpPr>
-          <p:cNvPr id="20" name="Group 19"/>
-          <p:cNvGrpSpPr/>
-          <p:nvPr/>
-        </p:nvGrpSpPr>
-        <p:grpSpPr>
-          <a:xfrm>
-            <a:off x="-228600" y="1295400"/>
-            <a:ext cx="9829800" cy="5562600"/>
-            <a:chOff x="-228600" y="1295400"/>
-            <a:chExt cx="9829800" cy="5562600"/>
-          </a:xfrm>
-        </p:grpSpPr>
-        <p:sp>
-          <p:nvSpPr>
-            <p:cNvPr id="6" name="Frame 5"/>
-            <p:cNvSpPr/>
-            <p:nvPr/>
-          </p:nvSpPr>
-          <p:spPr>
-            <a:xfrm>
-              <a:off x="1143000" y="3505200"/>
-              <a:ext cx="1600200" cy="1828800"/>
-            </a:xfrm>
-            <a:prstGeom prst="frame">
-              <a:avLst/>
-            </a:prstGeom>
-            <a:ln>
-              <a:noFill/>
-            </a:ln>
-          </p:spPr>
-          <p:style>
-            <a:lnRef idx="2">
-              <a:schemeClr val="dk1">
-                <a:shade val="50000"/>
-              </a:schemeClr>
-            </a:lnRef>
-            <a:fillRef idx="1">
-              <a:schemeClr val="dk1"/>
-            </a:fillRef>
-            <a:effectRef idx="0">
-              <a:schemeClr val="dk1"/>
-            </a:effectRef>
-            <a:fontRef idx="minor">
-              <a:schemeClr val="lt1"/>
-            </a:fontRef>
-          </p:style>
-          <p:txBody>
-            <a:bodyPr rtlCol="0" anchor="ctr"/>
-            <a:lstStyle/>
-            <a:p>
-              <a:pPr algn="ctr"/>
-              <a:endParaRPr lang="en-US">
-                <a:solidFill>
-                  <a:schemeClr val="tx1"/>
-                </a:solidFill>
-              </a:endParaRPr>
-            </a:p>
-          </p:txBody>
-        </p:sp>
-        <p:sp>
-          <p:nvSpPr>
-            <p:cNvPr id="7" name="Frame 6"/>
-            <p:cNvSpPr/>
-            <p:nvPr/>
-          </p:nvSpPr>
-          <p:spPr>
-            <a:xfrm>
-              <a:off x="5791200" y="2438400"/>
-              <a:ext cx="1600200" cy="762000"/>
-            </a:xfrm>
-            <a:prstGeom prst="frame">
-              <a:avLst/>
-            </a:prstGeom>
-            <a:ln>
-              <a:noFill/>
-            </a:ln>
-          </p:spPr>
-          <p:style>
-            <a:lnRef idx="2">
-              <a:schemeClr val="dk1">
-                <a:shade val="50000"/>
-              </a:schemeClr>
-            </a:lnRef>
-            <a:fillRef idx="1">
-              <a:schemeClr val="dk1"/>
-            </a:fillRef>
-            <a:effectRef idx="0">
-              <a:schemeClr val="dk1"/>
-            </a:effectRef>
-            <a:fontRef idx="minor">
-              <a:schemeClr val="lt1"/>
-            </a:fontRef>
-          </p:style>
-          <p:txBody>
-            <a:bodyPr rtlCol="0" anchor="ctr"/>
-            <a:lstStyle/>
-            <a:p>
-              <a:pPr algn="ctr"/>
-              <a:endParaRPr lang="en-US">
-                <a:solidFill>
-                  <a:schemeClr val="tx1"/>
-                </a:solidFill>
-              </a:endParaRPr>
-            </a:p>
-          </p:txBody>
-        </p:sp>
-        <p:sp>
-          <p:nvSpPr>
-            <p:cNvPr id="8" name="Frame 7"/>
-            <p:cNvSpPr/>
-            <p:nvPr/>
-          </p:nvSpPr>
-          <p:spPr>
-            <a:xfrm>
-              <a:off x="3124200" y="2438400"/>
-              <a:ext cx="1600200" cy="762000"/>
-            </a:xfrm>
-            <a:prstGeom prst="frame">
-              <a:avLst/>
-            </a:prstGeom>
-            <a:ln>
-              <a:noFill/>
-            </a:ln>
-          </p:spPr>
-          <p:style>
-            <a:lnRef idx="2">
-              <a:schemeClr val="dk1">
-                <a:shade val="50000"/>
-              </a:schemeClr>
-            </a:lnRef>
-            <a:fillRef idx="1">
-              <a:schemeClr val="dk1"/>
-            </a:fillRef>
-            <a:effectRef idx="0">
-              <a:schemeClr val="dk1"/>
-            </a:effectRef>
-            <a:fontRef idx="minor">
-              <a:schemeClr val="lt1"/>
-            </a:fontRef>
-          </p:style>
-          <p:txBody>
-            <a:bodyPr rtlCol="0" anchor="ctr"/>
-            <a:lstStyle/>
-            <a:p>
-              <a:pPr algn="ctr"/>
-              <a:endParaRPr lang="en-US">
-                <a:solidFill>
-                  <a:schemeClr val="tx1"/>
-                </a:solidFill>
-              </a:endParaRPr>
-            </a:p>
-          </p:txBody>
-        </p:sp>
-        <p:sp>
-          <p:nvSpPr>
-            <p:cNvPr id="9" name="Frame 8"/>
-            <p:cNvSpPr/>
-            <p:nvPr/>
-          </p:nvSpPr>
-          <p:spPr>
-            <a:xfrm>
-              <a:off x="5791200" y="3733800"/>
-              <a:ext cx="1676400" cy="1066800"/>
-            </a:xfrm>
-            <a:prstGeom prst="frame">
-              <a:avLst/>
-            </a:prstGeom>
-            <a:ln>
-              <a:noFill/>
-            </a:ln>
-          </p:spPr>
-          <p:style>
-            <a:lnRef idx="2">
-              <a:schemeClr val="dk1">
-                <a:shade val="50000"/>
-              </a:schemeClr>
-            </a:lnRef>
-            <a:fillRef idx="1">
-              <a:schemeClr val="dk1"/>
-            </a:fillRef>
-            <a:effectRef idx="0">
-              <a:schemeClr val="dk1"/>
-            </a:effectRef>
-            <a:fontRef idx="minor">
-              <a:schemeClr val="lt1"/>
-            </a:fontRef>
-          </p:style>
-          <p:txBody>
-            <a:bodyPr rtlCol="0" anchor="ctr"/>
-            <a:lstStyle/>
-            <a:p>
-              <a:pPr algn="ctr"/>
-              <a:endParaRPr lang="en-US">
-                <a:solidFill>
-                  <a:schemeClr val="tx1"/>
-                </a:solidFill>
-              </a:endParaRPr>
-            </a:p>
-          </p:txBody>
-        </p:sp>
-        <p:sp>
-          <p:nvSpPr>
-            <p:cNvPr id="10" name="Rectangle 9"/>
-            <p:cNvSpPr/>
-            <p:nvPr/>
-          </p:nvSpPr>
-          <p:spPr>
-            <a:xfrm>
-              <a:off x="-228600" y="1295400"/>
-              <a:ext cx="9829800" cy="1143000"/>
-            </a:xfrm>
-            <a:prstGeom prst="rect">
-              <a:avLst/>
-            </a:prstGeom>
-            <a:ln>
-              <a:noFill/>
-            </a:ln>
-          </p:spPr>
-          <p:style>
-            <a:lnRef idx="2">
-              <a:schemeClr val="dk1">
-                <a:shade val="50000"/>
-              </a:schemeClr>
-            </a:lnRef>
-            <a:fillRef idx="1">
-              <a:schemeClr val="dk1"/>
-            </a:fillRef>
-            <a:effectRef idx="0">
-              <a:schemeClr val="dk1"/>
-            </a:effectRef>
-            <a:fontRef idx="minor">
-              <a:schemeClr val="lt1"/>
-            </a:fontRef>
-          </p:style>
-          <p:txBody>
-            <a:bodyPr rtlCol="0" anchor="ctr"/>
-            <a:lstStyle/>
-            <a:p>
-              <a:pPr algn="ctr"/>
-              <a:endParaRPr lang="en-US"/>
-            </a:p>
-          </p:txBody>
-        </p:sp>
-        <p:sp>
-          <p:nvSpPr>
-            <p:cNvPr id="11" name="Rectangle 10"/>
-            <p:cNvSpPr/>
-            <p:nvPr/>
-          </p:nvSpPr>
-          <p:spPr>
-            <a:xfrm>
-              <a:off x="-228600" y="2438400"/>
-              <a:ext cx="3352800" cy="1143000"/>
-            </a:xfrm>
-            <a:prstGeom prst="rect">
-              <a:avLst/>
-            </a:prstGeom>
-            <a:ln>
-              <a:noFill/>
-            </a:ln>
-          </p:spPr>
-          <p:style>
-            <a:lnRef idx="2">
-              <a:schemeClr val="dk1">
-                <a:shade val="50000"/>
-              </a:schemeClr>
-            </a:lnRef>
-            <a:fillRef idx="1">
-              <a:schemeClr val="dk1"/>
-            </a:fillRef>
-            <a:effectRef idx="0">
-              <a:schemeClr val="dk1"/>
-            </a:effectRef>
-            <a:fontRef idx="minor">
-              <a:schemeClr val="lt1"/>
-            </a:fontRef>
-          </p:style>
-          <p:txBody>
-            <a:bodyPr rtlCol="0" anchor="ctr"/>
-            <a:lstStyle/>
-            <a:p>
-              <a:pPr algn="ctr"/>
-              <a:endParaRPr lang="en-US"/>
-            </a:p>
-          </p:txBody>
-        </p:sp>
-        <p:sp>
-          <p:nvSpPr>
-            <p:cNvPr id="12" name="Rectangle 11"/>
-            <p:cNvSpPr/>
-            <p:nvPr/>
-          </p:nvSpPr>
-          <p:spPr>
-            <a:xfrm>
-              <a:off x="-228600" y="3581400"/>
-              <a:ext cx="1447800" cy="3276600"/>
-            </a:xfrm>
-            <a:prstGeom prst="rect">
-              <a:avLst/>
-            </a:prstGeom>
-            <a:ln>
-              <a:noFill/>
-            </a:ln>
-          </p:spPr>
-          <p:style>
-            <a:lnRef idx="2">
-              <a:schemeClr val="dk1">
-                <a:shade val="50000"/>
-              </a:schemeClr>
-            </a:lnRef>
-            <a:fillRef idx="1">
-              <a:schemeClr val="dk1"/>
-            </a:fillRef>
-            <a:effectRef idx="0">
-              <a:schemeClr val="dk1"/>
-            </a:effectRef>
-            <a:fontRef idx="minor">
-              <a:schemeClr val="lt1"/>
-            </a:fontRef>
-          </p:style>
-          <p:txBody>
-            <a:bodyPr rtlCol="0" anchor="ctr"/>
-            <a:lstStyle/>
-            <a:p>
-              <a:pPr algn="ctr"/>
-              <a:endParaRPr lang="en-US"/>
-            </a:p>
-          </p:txBody>
-        </p:sp>
-        <p:sp>
-          <p:nvSpPr>
-            <p:cNvPr id="14" name="Rectangle 13"/>
-            <p:cNvSpPr/>
-            <p:nvPr/>
-          </p:nvSpPr>
-          <p:spPr>
-            <a:xfrm>
-              <a:off x="1219200" y="5257800"/>
-              <a:ext cx="8382000" cy="1600200"/>
-            </a:xfrm>
-            <a:prstGeom prst="rect">
-              <a:avLst/>
-            </a:prstGeom>
-            <a:ln>
-              <a:noFill/>
-            </a:ln>
-          </p:spPr>
-          <p:style>
-            <a:lnRef idx="2">
-              <a:schemeClr val="dk1">
-                <a:shade val="50000"/>
-              </a:schemeClr>
-            </a:lnRef>
-            <a:fillRef idx="1">
-              <a:schemeClr val="dk1"/>
-            </a:fillRef>
-            <a:effectRef idx="0">
-              <a:schemeClr val="dk1"/>
-            </a:effectRef>
-            <a:fontRef idx="minor">
-              <a:schemeClr val="lt1"/>
-            </a:fontRef>
-          </p:style>
-          <p:txBody>
-            <a:bodyPr rtlCol="0" anchor="ctr"/>
-            <a:lstStyle/>
-            <a:p>
-              <a:pPr algn="ctr"/>
-              <a:endParaRPr lang="en-US"/>
-            </a:p>
-          </p:txBody>
-        </p:sp>
-        <p:sp>
-          <p:nvSpPr>
-            <p:cNvPr id="15" name="Rectangle 14"/>
-            <p:cNvSpPr/>
-            <p:nvPr/>
-          </p:nvSpPr>
-          <p:spPr>
-            <a:xfrm>
-              <a:off x="7391400" y="2438400"/>
-              <a:ext cx="2209800" cy="2971800"/>
-            </a:xfrm>
-            <a:prstGeom prst="rect">
-              <a:avLst/>
-            </a:prstGeom>
-            <a:ln>
-              <a:noFill/>
-            </a:ln>
-          </p:spPr>
-          <p:style>
-            <a:lnRef idx="2">
-              <a:schemeClr val="dk1">
-                <a:shade val="50000"/>
-              </a:schemeClr>
-            </a:lnRef>
-            <a:fillRef idx="1">
-              <a:schemeClr val="dk1"/>
-            </a:fillRef>
-            <a:effectRef idx="0">
-              <a:schemeClr val="dk1"/>
-            </a:effectRef>
-            <a:fontRef idx="minor">
-              <a:schemeClr val="lt1"/>
-            </a:fontRef>
-          </p:style>
-          <p:txBody>
-            <a:bodyPr rtlCol="0" anchor="ctr"/>
-            <a:lstStyle/>
-            <a:p>
-              <a:pPr algn="ctr"/>
-              <a:endParaRPr lang="en-US"/>
-            </a:p>
-          </p:txBody>
-        </p:sp>
-        <p:sp>
-          <p:nvSpPr>
-            <p:cNvPr id="16" name="Rectangle 15"/>
-            <p:cNvSpPr/>
-            <p:nvPr/>
-          </p:nvSpPr>
-          <p:spPr>
-            <a:xfrm>
-              <a:off x="2590800" y="3124200"/>
-              <a:ext cx="3276600" cy="2133600"/>
-            </a:xfrm>
-            <a:prstGeom prst="rect">
-              <a:avLst/>
-            </a:prstGeom>
-            <a:ln>
-              <a:noFill/>
-            </a:ln>
-          </p:spPr>
-          <p:style>
-            <a:lnRef idx="2">
-              <a:schemeClr val="dk1">
-                <a:shade val="50000"/>
-              </a:schemeClr>
-            </a:lnRef>
-            <a:fillRef idx="1">
-              <a:schemeClr val="dk1"/>
-            </a:fillRef>
-            <a:effectRef idx="0">
-              <a:schemeClr val="dk1"/>
-            </a:effectRef>
-            <a:fontRef idx="minor">
-              <a:schemeClr val="lt1"/>
-            </a:fontRef>
-          </p:style>
-          <p:txBody>
-            <a:bodyPr rtlCol="0" anchor="ctr"/>
-            <a:lstStyle/>
-            <a:p>
-              <a:pPr algn="ctr"/>
-              <a:endParaRPr lang="en-US"/>
-            </a:p>
-          </p:txBody>
-        </p:sp>
-        <p:sp>
-          <p:nvSpPr>
-            <p:cNvPr id="17" name="Rectangle 16"/>
-            <p:cNvSpPr/>
-            <p:nvPr/>
-          </p:nvSpPr>
-          <p:spPr>
-            <a:xfrm>
-              <a:off x="5029200" y="4724400"/>
-              <a:ext cx="3352800" cy="1143000"/>
-            </a:xfrm>
-            <a:prstGeom prst="rect">
-              <a:avLst/>
-            </a:prstGeom>
-            <a:ln>
-              <a:noFill/>
-            </a:ln>
-          </p:spPr>
-          <p:style>
-            <a:lnRef idx="2">
-              <a:schemeClr val="dk1">
-                <a:shade val="50000"/>
-              </a:schemeClr>
-            </a:lnRef>
-            <a:fillRef idx="1">
-              <a:schemeClr val="dk1"/>
-            </a:fillRef>
-            <a:effectRef idx="0">
-              <a:schemeClr val="dk1"/>
-            </a:effectRef>
-            <a:fontRef idx="minor">
-              <a:schemeClr val="lt1"/>
-            </a:fontRef>
-          </p:style>
-          <p:txBody>
-            <a:bodyPr rtlCol="0" anchor="ctr"/>
-            <a:lstStyle/>
-            <a:p>
-              <a:pPr algn="ctr"/>
-              <a:endParaRPr lang="en-US"/>
-            </a:p>
-          </p:txBody>
-        </p:sp>
-        <p:sp>
-          <p:nvSpPr>
-            <p:cNvPr id="18" name="Rectangle 17"/>
-            <p:cNvSpPr/>
-            <p:nvPr/>
-          </p:nvSpPr>
-          <p:spPr>
-            <a:xfrm>
-              <a:off x="5105400" y="3200400"/>
-              <a:ext cx="3352800" cy="533400"/>
-            </a:xfrm>
-            <a:prstGeom prst="rect">
-              <a:avLst/>
-            </a:prstGeom>
-            <a:ln>
-              <a:noFill/>
-            </a:ln>
-          </p:spPr>
-          <p:style>
-            <a:lnRef idx="2">
-              <a:schemeClr val="dk1">
-                <a:shade val="50000"/>
-              </a:schemeClr>
-            </a:lnRef>
-            <a:fillRef idx="1">
-              <a:schemeClr val="dk1"/>
-            </a:fillRef>
-            <a:effectRef idx="0">
-              <a:schemeClr val="dk1"/>
-            </a:effectRef>
-            <a:fontRef idx="minor">
-              <a:schemeClr val="lt1"/>
-            </a:fontRef>
-          </p:style>
-          <p:txBody>
-            <a:bodyPr rtlCol="0" anchor="ctr"/>
-            <a:lstStyle/>
-            <a:p>
-              <a:pPr algn="ctr"/>
-              <a:endParaRPr lang="en-US"/>
-            </a:p>
-          </p:txBody>
-        </p:sp>
-        <p:sp>
-          <p:nvSpPr>
-            <p:cNvPr id="19" name="Rectangle 18"/>
-            <p:cNvSpPr/>
-            <p:nvPr/>
-          </p:nvSpPr>
-          <p:spPr>
-            <a:xfrm>
-              <a:off x="4648200" y="2209800"/>
-              <a:ext cx="1143000" cy="1143000"/>
-            </a:xfrm>
-            <a:prstGeom prst="rect">
-              <a:avLst/>
-            </a:prstGeom>
-            <a:ln>
-              <a:noFill/>
-            </a:ln>
-          </p:spPr>
-          <p:style>
-            <a:lnRef idx="2">
-              <a:schemeClr val="dk1">
-                <a:shade val="50000"/>
-              </a:schemeClr>
-            </a:lnRef>
-            <a:fillRef idx="1">
-              <a:schemeClr val="dk1"/>
-            </a:fillRef>
-            <a:effectRef idx="0">
-              <a:schemeClr val="dk1"/>
-            </a:effectRef>
-            <a:fontRef idx="minor">
-              <a:schemeClr val="lt1"/>
-            </a:fontRef>
-          </p:style>
-          <p:txBody>
-            <a:bodyPr rtlCol="0" anchor="ctr"/>
-            <a:lstStyle/>
-            <a:p>
-              <a:pPr algn="ctr"/>
-              <a:endParaRPr lang="en-US"/>
-            </a:p>
-          </p:txBody>
-        </p:sp>
-      </p:grpSp>
-    </p:spTree>
-  </p:cSld>
-  <p:clrMapOvr>
-    <a:masterClrMapping/>
-  </p:clrMapOvr>
-  <p:timing>
-    <p:tnLst>
-      <p:par>
-        <p:cTn id="1" dur="indefinite" restart="never" nodeType="tmRoot">
-          <p:childTnLst>
-            <p:seq concurrent="1" nextAc="seek">
-              <p:cTn id="2" dur="indefinite" nodeType="mainSeq">
-                <p:childTnLst>
-                  <p:par>
-                    <p:cTn id="3" fill="hold">
-                      <p:stCondLst>
-                        <p:cond delay="indefinite"/>
-                      </p:stCondLst>
-                      <p:childTnLst>
-                        <p:par>
-                          <p:cTn id="4" fill="hold">
-                            <p:stCondLst>
-                              <p:cond delay="0"/>
-                            </p:stCondLst>
-                            <p:childTnLst>
-                              <p:par>
-                                <p:cTn id="5" presetID="10" presetClass="entr" presetSubtype="0" fill="hold" nodeType="clickEffect">
-                                  <p:stCondLst>
-                                    <p:cond delay="0"/>
-                                  </p:stCondLst>
-                                  <p:childTnLst>
-                                    <p:set>
-                                      <p:cBhvr>
-                                        <p:cTn id="6" dur="1" fill="hold">
-                                          <p:stCondLst>
-                                            <p:cond delay="0"/>
-                                          </p:stCondLst>
-                                        </p:cTn>
-                                        <p:tgtEl>
-                                          <p:spTgt spid="20"/>
-                                        </p:tgtEl>
-                                        <p:attrNameLst>
-                                          <p:attrName>style.visibility</p:attrName>
-                                        </p:attrNameLst>
-                                      </p:cBhvr>
-                                      <p:to>
-                                        <p:strVal val="visible"/>
-                                      </p:to>
-                                    </p:set>
-                                    <p:animEffect transition="in" filter="fade">
-                                      <p:cBhvr>
-                                        <p:cTn id="7" dur="500"/>
-                                        <p:tgtEl>
-                                          <p:spTgt spid="20"/>
-                                        </p:tgtEl>
-                                      </p:cBhvr>
-                                    </p:animEffect>
-                                  </p:childTnLst>
-                                </p:cTn>
-                              </p:par>
-                            </p:childTnLst>
-                          </p:cTn>
-                        </p:par>
-                      </p:childTnLst>
-                    </p:cTn>
-                  </p:par>
-                  <p:par>
-                    <p:cTn id="8" fill="hold">
-                      <p:stCondLst>
-                        <p:cond delay="indefinite"/>
-                      </p:stCondLst>
-                      <p:childTnLst>
-                        <p:par>
-                          <p:cTn id="9" fill="hold">
-                            <p:stCondLst>
-                              <p:cond delay="0"/>
-                            </p:stCondLst>
-                            <p:childTnLst>
-                              <p:par>
-                                <p:cTn id="10" presetID="10" presetClass="exit" presetSubtype="0" fill="hold" nodeType="clickEffect">
-                                  <p:stCondLst>
-                                    <p:cond delay="0"/>
-                                  </p:stCondLst>
-                                  <p:childTnLst>
-                                    <p:animEffect transition="out" filter="fade">
-                                      <p:cBhvr>
-                                        <p:cTn id="11" dur="500"/>
-                                        <p:tgtEl>
-                                          <p:spTgt spid="20"/>
-                                        </p:tgtEl>
-                                      </p:cBhvr>
-                                    </p:animEffect>
-                                    <p:set>
-                                      <p:cBhvr>
-                                        <p:cTn id="12" dur="1" fill="hold">
-                                          <p:stCondLst>
-                                            <p:cond delay="499"/>
-                                          </p:stCondLst>
-                                        </p:cTn>
-                                        <p:tgtEl>
-                                          <p:spTgt spid="20"/>
-                                        </p:tgtEl>
-                                        <p:attrNameLst>
-                                          <p:attrName>style.visibility</p:attrName>
-                                        </p:attrNameLst>
-                                      </p:cBhvr>
-                                      <p:to>
-                                        <p:strVal val="hidden"/>
-                                      </p:to>
-                                    </p:set>
-                                  </p:childTnLst>
-                                </p:cTn>
-                              </p:par>
-                            </p:childTnLst>
-                          </p:cTn>
-                        </p:par>
-                      </p:childTnLst>
-                    </p:cTn>
-                  </p:par>
-                </p:childTnLst>
-              </p:cTn>
-              <p:prevCondLst>
-                <p:cond evt="onPrev" delay="0">
-                  <p:tgtEl>
-                    <p:sldTgt/>
-                  </p:tgtEl>
-                </p:cond>
-              </p:prevCondLst>
-              <p:nextCondLst>
-                <p:cond evt="onNext" delay="0">
-                  <p:tgtEl>
-                    <p:sldTgt/>
-                  </p:tgtEl>
-                </p:cond>
-              </p:nextCondLst>
-            </p:seq>
-          </p:childTnLst>
-        </p:cTn>
       </p:par>
     </p:tnLst>
   </p:timing>
@@ -8875,7 +9636,7 @@
           <a:p>
             <a:r>
               <a:rPr lang="en-US" dirty="0" smtClean="0"/>
-              <a:t>Application Components</a:t>
+              <a:t>What’s New in Android 2?</a:t>
             </a:r>
             <a:endParaRPr lang="en-US" dirty="0"/>
           </a:p>
@@ -8898,31 +9659,40 @@
           <a:p>
             <a:r>
               <a:rPr lang="en-US" dirty="0" smtClean="0"/>
-              <a:t>Activities</a:t>
+              <a:t>Exchange Support</a:t>
             </a:r>
           </a:p>
           <a:p>
             <a:r>
               <a:rPr lang="en-US" dirty="0" smtClean="0"/>
-              <a:t>Services</a:t>
+              <a:t>Combined Inbox</a:t>
             </a:r>
           </a:p>
           <a:p>
             <a:r>
               <a:rPr lang="en-US" dirty="0" smtClean="0"/>
-              <a:t>Broadcast Receivers</a:t>
+              <a:t>SMS/MMS Search</a:t>
             </a:r>
           </a:p>
           <a:p>
             <a:r>
               <a:rPr lang="en-US" dirty="0" smtClean="0"/>
-              <a:t>Content Resolvers</a:t>
-            </a:r>
-          </a:p>
-          <a:p>
-            <a:pPr>
-              <a:buNone/>
-            </a:pPr>
+              <a:t>Virtual Keyboard Improvements</a:t>
+            </a:r>
+          </a:p>
+          <a:p>
+            <a:r>
+              <a:rPr lang="en-US" dirty="0" smtClean="0"/>
+              <a:t>Browser With HTML 5 Support</a:t>
+            </a:r>
+          </a:p>
+          <a:p>
+            <a:r>
+              <a:rPr lang="en-US" dirty="0" smtClean="0"/>
+              <a:t>And more!</a:t>
+            </a:r>
+          </a:p>
+          <a:p>
             <a:endParaRPr lang="en-US" dirty="0"/>
           </a:p>
         </p:txBody>
